--- a/CalendarioAgo2024/presentaciones/9_GraficasMatplotlib.pptx
+++ b/CalendarioAgo2024/presentaciones/9_GraficasMatplotlib.pptx
@@ -5,7 +5,7 @@
     <p:sldMasterId id="2147483648" r:id="rId1"/>
   </p:sldMasterIdLst>
   <p:notesMasterIdLst>
-    <p:notesMasterId r:id="rId22"/>
+    <p:notesMasterId r:id="rId21"/>
   </p:notesMasterIdLst>
   <p:sldIdLst>
     <p:sldId id="256" r:id="rId2"/>
@@ -17,17 +17,16 @@
     <p:sldId id="268" r:id="rId8"/>
     <p:sldId id="277" r:id="rId9"/>
     <p:sldId id="264" r:id="rId10"/>
-    <p:sldId id="270" r:id="rId11"/>
-    <p:sldId id="278" r:id="rId12"/>
-    <p:sldId id="265" r:id="rId13"/>
-    <p:sldId id="279" r:id="rId14"/>
-    <p:sldId id="266" r:id="rId15"/>
-    <p:sldId id="267" r:id="rId16"/>
-    <p:sldId id="271" r:id="rId17"/>
-    <p:sldId id="272" r:id="rId18"/>
-    <p:sldId id="273" r:id="rId19"/>
-    <p:sldId id="275" r:id="rId20"/>
-    <p:sldId id="276" r:id="rId21"/>
+    <p:sldId id="278" r:id="rId11"/>
+    <p:sldId id="265" r:id="rId12"/>
+    <p:sldId id="279" r:id="rId13"/>
+    <p:sldId id="266" r:id="rId14"/>
+    <p:sldId id="267" r:id="rId15"/>
+    <p:sldId id="271" r:id="rId16"/>
+    <p:sldId id="272" r:id="rId17"/>
+    <p:sldId id="273" r:id="rId18"/>
+    <p:sldId id="275" r:id="rId19"/>
+    <p:sldId id="276" r:id="rId20"/>
   </p:sldIdLst>
   <p:sldSz cx="12192000" cy="6858000"/>
   <p:notesSz cx="12192000" cy="6858000"/>
@@ -355,6 +354,11 @@
         </p:txBody>
       </p:sp>
     </p:spTree>
+    <p:extLst>
+      <p:ext uri="{BB962C8B-B14F-4D97-AF65-F5344CB8AC3E}">
+        <p14:creationId xmlns:p14="http://schemas.microsoft.com/office/powerpoint/2010/main" val="794088330"/>
+      </p:ext>
+    </p:extLst>
   </p:cSld>
   <p:clrMapOvr>
     <a:masterClrMapping/>
@@ -401,11 +405,6 @@
         </p:txBody>
       </p:sp>
     </p:spTree>
-    <p:extLst>
-      <p:ext uri="{BB962C8B-B14F-4D97-AF65-F5344CB8AC3E}">
-        <p14:creationId xmlns:p14="http://schemas.microsoft.com/office/powerpoint/2010/main" val="794088330"/>
-      </p:ext>
-    </p:extLst>
   </p:cSld>
   <p:clrMapOvr>
     <a:masterClrMapping/>
@@ -452,6 +451,11 @@
         </p:txBody>
       </p:sp>
     </p:spTree>
+    <p:extLst>
+      <p:ext uri="{BB962C8B-B14F-4D97-AF65-F5344CB8AC3E}">
+        <p14:creationId xmlns:p14="http://schemas.microsoft.com/office/powerpoint/2010/main" val="3252716297"/>
+      </p:ext>
+    </p:extLst>
   </p:cSld>
   <p:clrMapOvr>
     <a:masterClrMapping/>
@@ -498,11 +502,6 @@
         </p:txBody>
       </p:sp>
     </p:spTree>
-    <p:extLst>
-      <p:ext uri="{BB962C8B-B14F-4D97-AF65-F5344CB8AC3E}">
-        <p14:creationId xmlns:p14="http://schemas.microsoft.com/office/powerpoint/2010/main" val="3252716297"/>
-      </p:ext>
-    </p:extLst>
   </p:cSld>
   <p:clrMapOvr>
     <a:masterClrMapping/>
@@ -821,52 +820,6 @@
           <a:lstStyle/>
           <a:p>
             <a:endParaRPr dirty="0"/>
-          </a:p>
-        </p:txBody>
-      </p:sp>
-    </p:spTree>
-  </p:cSld>
-  <p:clrMapOvr>
-    <a:masterClrMapping/>
-  </p:clrMapOvr>
-</p:notes>
-</file>
-
-<file path=ppt/notesSlides/notesSlide20.xml><?xml version="1.0" encoding="utf-8"?>
-<p:notes xmlns:a="http://schemas.openxmlformats.org/drawingml/2006/main" xmlns:r="http://schemas.openxmlformats.org/officeDocument/2006/relationships" xmlns:p="http://schemas.openxmlformats.org/presentationml/2006/main">
-  <p:cSld>
-    <p:spTree>
-      <p:nvGrpSpPr>
-        <p:cNvPr id="1" name=""/>
-        <p:cNvGrpSpPr/>
-        <p:nvPr/>
-      </p:nvGrpSpPr>
-      <p:grpSpPr>
-        <a:xfrm>
-          <a:off x="0" y="0"/>
-          <a:ext cx="0" cy="0"/>
-          <a:chOff x="0" y="0"/>
-          <a:chExt cx="0" cy="0"/>
-        </a:xfrm>
-      </p:grpSpPr>
-      <p:sp>
-        <p:nvSpPr>
-          <p:cNvPr id="2" name="Notes Placeholder"/>
-          <p:cNvSpPr>
-            <a:spLocks noGrp="1"/>
-          </p:cNvSpPr>
-          <p:nvPr>
-            <p:ph type="body" idx="1"/>
-          </p:nvPr>
-        </p:nvSpPr>
-        <p:spPr/>
-        <p:txBody>
-          <a:bodyPr>
-            <a:normAutofit fontScale="25000" lnSpcReduction="20000"/>
-          </a:bodyPr>
-          <a:lstStyle/>
-          <a:p>
-            <a:endParaRPr/>
           </a:p>
         </p:txBody>
       </p:sp>
@@ -1753,7 +1706,7 @@
           <a:p>
             <a:fld id="{1D8BD707-D9CF-40AE-B4C6-C98DA3205C09}" type="datetimeFigureOut">
               <a:rPr lang="en-US"/>
-              <a:t>9/29/2024</a:t>
+              <a:t>10/1/2024</a:t>
             </a:fld>
             <a:endParaRPr lang="en-US"/>
           </a:p>
@@ -2305,7 +2258,7 @@
           <a:p>
             <a:fld id="{1D8BD707-D9CF-40AE-B4C6-C98DA3205C09}" type="datetimeFigureOut">
               <a:rPr lang="en-US"/>
-              <a:t>9/29/2024</a:t>
+              <a:t>10/1/2024</a:t>
             </a:fld>
             <a:endParaRPr lang="en-US"/>
           </a:p>
@@ -2923,7 +2876,7 @@
           <a:p>
             <a:fld id="{1D8BD707-D9CF-40AE-B4C6-C98DA3205C09}" type="datetimeFigureOut">
               <a:rPr lang="en-US"/>
-              <a:t>9/29/2024</a:t>
+              <a:t>10/1/2024</a:t>
             </a:fld>
             <a:endParaRPr lang="en-US"/>
           </a:p>
@@ -3475,7 +3428,7 @@
           <a:p>
             <a:fld id="{1D8BD707-D9CF-40AE-B4C6-C98DA3205C09}" type="datetimeFigureOut">
               <a:rPr lang="en-US"/>
-              <a:t>9/29/2024</a:t>
+              <a:t>10/1/2024</a:t>
             </a:fld>
             <a:endParaRPr lang="en-US"/>
           </a:p>
@@ -3594,7 +3547,7 @@
           <a:p>
             <a:fld id="{1D8BD707-D9CF-40AE-B4C6-C98DA3205C09}" type="datetimeFigureOut">
               <a:rPr lang="en-US"/>
-              <a:t>9/29/2024</a:t>
+              <a:t>10/1/2024</a:t>
             </a:fld>
             <a:endParaRPr lang="en-US"/>
           </a:p>
@@ -3848,7 +3801,7 @@
           <a:p>
             <a:fld id="{1D8BD707-D9CF-40AE-B4C6-C98DA3205C09}" type="datetimeFigureOut">
               <a:rPr lang="en-US"/>
-              <a:t>9/29/2024</a:t>
+              <a:t>10/1/2024</a:t>
             </a:fld>
             <a:endParaRPr lang="en-US"/>
           </a:p>
@@ -5009,8 +4962,8 @@
         </p:nvSpPr>
         <p:spPr>
           <a:xfrm>
-            <a:off x="3107182" y="2213522"/>
-            <a:ext cx="5975350" cy="2010410"/>
+            <a:off x="3091497" y="1405431"/>
+            <a:ext cx="5975350" cy="3277820"/>
           </a:xfrm>
           <a:prstGeom prst="rect">
             <a:avLst/>
@@ -5028,27 +4981,27 @@
               </a:lnSpc>
             </a:pPr>
             <a:r>
-              <a:rPr sz="7100" dirty="0">
+              <a:rPr sz="7100" b="1" dirty="0">
                 <a:latin typeface="Corbel"/>
                 <a:cs typeface="Corbel"/>
               </a:rPr>
               <a:t>GRÁFICAS</a:t>
             </a:r>
             <a:r>
-              <a:rPr sz="7100" spc="-315" dirty="0">
-                <a:latin typeface="Corbel"/>
-                <a:cs typeface="Corbel"/>
-              </a:rPr>
-              <a:t> </a:t>
-            </a:r>
-            <a:r>
-              <a:rPr sz="7100" spc="-5" dirty="0">
+              <a:rPr sz="7100" b="1" spc="-315" dirty="0">
+                <a:latin typeface="Corbel"/>
+                <a:cs typeface="Corbel"/>
+              </a:rPr>
+              <a:t> </a:t>
+            </a:r>
+            <a:r>
+              <a:rPr sz="7100" b="1" spc="-5" dirty="0">
                 <a:latin typeface="Corbel"/>
                 <a:cs typeface="Corbel"/>
               </a:rPr>
               <a:t>CON</a:t>
             </a:r>
-            <a:endParaRPr sz="7100" dirty="0">
+            <a:endParaRPr sz="7100" b="1" dirty="0">
               <a:latin typeface="Corbel"/>
               <a:cs typeface="Corbel"/>
             </a:endParaRPr>
@@ -5060,48 +5013,48 @@
               </a:lnSpc>
             </a:pPr>
             <a:r>
-              <a:rPr sz="7100" dirty="0">
+              <a:rPr sz="7100" b="1" dirty="0">
                 <a:latin typeface="Corbel"/>
                 <a:cs typeface="Corbel"/>
               </a:rPr>
               <a:t>M</a:t>
             </a:r>
             <a:r>
-              <a:rPr sz="7100" spc="-380" dirty="0">
+              <a:rPr sz="7100" b="1" spc="-380" dirty="0">
                 <a:latin typeface="Corbel"/>
                 <a:cs typeface="Corbel"/>
               </a:rPr>
               <a:t>A</a:t>
             </a:r>
             <a:r>
-              <a:rPr sz="7100" spc="-5" dirty="0">
+              <a:rPr sz="7100" b="1" spc="-5" dirty="0">
                 <a:latin typeface="Corbel"/>
                 <a:cs typeface="Corbel"/>
               </a:rPr>
               <a:t>TP</a:t>
             </a:r>
             <a:r>
-              <a:rPr sz="7100" spc="-305" dirty="0">
+              <a:rPr sz="7100" b="1" spc="-305" dirty="0">
                 <a:latin typeface="Corbel"/>
                 <a:cs typeface="Corbel"/>
               </a:rPr>
               <a:t>L</a:t>
             </a:r>
             <a:r>
-              <a:rPr sz="7100" spc="-175" dirty="0">
+              <a:rPr sz="7100" b="1" spc="-175" dirty="0">
                 <a:latin typeface="Corbel"/>
                 <a:cs typeface="Corbel"/>
               </a:rPr>
               <a:t>O</a:t>
             </a:r>
             <a:r>
-              <a:rPr sz="7100" spc="-5" dirty="0">
+              <a:rPr sz="7100" b="1" spc="-5" dirty="0">
                 <a:latin typeface="Corbel"/>
                 <a:cs typeface="Corbel"/>
               </a:rPr>
               <a:t>TLIB</a:t>
             </a:r>
-            <a:endParaRPr sz="7100" dirty="0">
+            <a:endParaRPr sz="7100" b="1" dirty="0">
               <a:latin typeface="Corbel"/>
               <a:cs typeface="Corbel"/>
             </a:endParaRPr>
@@ -5117,467 +5070,6 @@
 </file>
 
 <file path=ppt/slides/slide10.xml><?xml version="1.0" encoding="utf-8"?>
-<p:sld xmlns:a="http://schemas.openxmlformats.org/drawingml/2006/main" xmlns:r="http://schemas.openxmlformats.org/officeDocument/2006/relationships" xmlns:p="http://schemas.openxmlformats.org/presentationml/2006/main">
-  <p:cSld>
-    <p:spTree>
-      <p:nvGrpSpPr>
-        <p:cNvPr id="1" name=""/>
-        <p:cNvGrpSpPr/>
-        <p:nvPr/>
-      </p:nvGrpSpPr>
-      <p:grpSpPr>
-        <a:xfrm>
-          <a:off x="0" y="0"/>
-          <a:ext cx="0" cy="0"/>
-          <a:chOff x="0" y="0"/>
-          <a:chExt cx="0" cy="0"/>
-        </a:xfrm>
-      </p:grpSpPr>
-      <p:sp>
-        <p:nvSpPr>
-          <p:cNvPr id="2" name="object 2"/>
-          <p:cNvSpPr/>
-          <p:nvPr/>
-        </p:nvSpPr>
-        <p:spPr>
-          <a:xfrm>
-            <a:off x="457200" y="0"/>
-            <a:ext cx="1122045" cy="5329555"/>
-          </a:xfrm>
-          <a:custGeom>
-            <a:avLst/>
-            <a:gdLst/>
-            <a:ahLst/>
-            <a:cxnLst/>
-            <a:rect l="l" t="t" r="r" b="b"/>
-            <a:pathLst>
-              <a:path w="1122045" h="5329555">
-                <a:moveTo>
-                  <a:pt x="1121664" y="0"/>
-                </a:moveTo>
-                <a:lnTo>
-                  <a:pt x="867791" y="0"/>
-                </a:lnTo>
-                <a:lnTo>
-                  <a:pt x="0" y="5286502"/>
-                </a:lnTo>
-                <a:lnTo>
-                  <a:pt x="247497" y="5329428"/>
-                </a:lnTo>
-                <a:lnTo>
-                  <a:pt x="1121664" y="0"/>
-                </a:lnTo>
-                <a:close/>
-              </a:path>
-            </a:pathLst>
-          </a:custGeom>
-          <a:solidFill>
-            <a:srgbClr val="2FACEB"/>
-          </a:solidFill>
-        </p:spPr>
-        <p:txBody>
-          <a:bodyPr wrap="square" lIns="0" tIns="0" rIns="0" bIns="0" rtlCol="0"/>
-          <a:lstStyle/>
-          <a:p>
-            <a:endParaRPr/>
-          </a:p>
-        </p:txBody>
-      </p:sp>
-      <p:sp>
-        <p:nvSpPr>
-          <p:cNvPr id="3" name="object 3"/>
-          <p:cNvSpPr/>
-          <p:nvPr/>
-        </p:nvSpPr>
-        <p:spPr>
-          <a:xfrm>
-            <a:off x="150876" y="0"/>
-            <a:ext cx="1117600" cy="5278120"/>
-          </a:xfrm>
-          <a:custGeom>
-            <a:avLst/>
-            <a:gdLst/>
-            <a:ahLst/>
-            <a:cxnLst/>
-            <a:rect l="l" t="t" r="r" b="b"/>
-            <a:pathLst>
-              <a:path w="1117600" h="5278120">
-                <a:moveTo>
-                  <a:pt x="1117092" y="0"/>
-                </a:moveTo>
-                <a:lnTo>
-                  <a:pt x="864793" y="0"/>
-                </a:lnTo>
-                <a:lnTo>
-                  <a:pt x="0" y="5239512"/>
-                </a:lnTo>
-                <a:lnTo>
-                  <a:pt x="249123" y="5277612"/>
-                </a:lnTo>
-                <a:lnTo>
-                  <a:pt x="1117092" y="0"/>
-                </a:lnTo>
-                <a:close/>
-              </a:path>
-            </a:pathLst>
-          </a:custGeom>
-          <a:solidFill>
-            <a:srgbClr val="585858"/>
-          </a:solidFill>
-        </p:spPr>
-        <p:txBody>
-          <a:bodyPr wrap="square" lIns="0" tIns="0" rIns="0" bIns="0" rtlCol="0"/>
-          <a:lstStyle/>
-          <a:p>
-            <a:endParaRPr/>
-          </a:p>
-        </p:txBody>
-      </p:sp>
-      <p:sp>
-        <p:nvSpPr>
-          <p:cNvPr id="4" name="object 4"/>
-          <p:cNvSpPr/>
-          <p:nvPr/>
-        </p:nvSpPr>
-        <p:spPr>
-          <a:xfrm>
-            <a:off x="150876" y="5239511"/>
-            <a:ext cx="1228725" cy="1618615"/>
-          </a:xfrm>
-          <a:custGeom>
-            <a:avLst/>
-            <a:gdLst/>
-            <a:ahLst/>
-            <a:cxnLst/>
-            <a:rect l="l" t="t" r="r" b="b"/>
-            <a:pathLst>
-              <a:path w="1228725" h="1618615">
-                <a:moveTo>
-                  <a:pt x="0" y="0"/>
-                </a:moveTo>
-                <a:lnTo>
-                  <a:pt x="1174369" y="1618487"/>
-                </a:lnTo>
-                <a:lnTo>
-                  <a:pt x="1228344" y="1618487"/>
-                </a:lnTo>
-                <a:lnTo>
-                  <a:pt x="0" y="0"/>
-                </a:lnTo>
-                <a:close/>
-              </a:path>
-            </a:pathLst>
-          </a:custGeom>
-          <a:solidFill>
-            <a:srgbClr val="252525"/>
-          </a:solidFill>
-        </p:spPr>
-        <p:txBody>
-          <a:bodyPr wrap="square" lIns="0" tIns="0" rIns="0" bIns="0" rtlCol="0"/>
-          <a:lstStyle/>
-          <a:p>
-            <a:endParaRPr/>
-          </a:p>
-        </p:txBody>
-      </p:sp>
-      <p:sp>
-        <p:nvSpPr>
-          <p:cNvPr id="5" name="object 5"/>
-          <p:cNvSpPr/>
-          <p:nvPr/>
-        </p:nvSpPr>
-        <p:spPr>
-          <a:xfrm>
-            <a:off x="457200" y="5291328"/>
-            <a:ext cx="1495425" cy="1567180"/>
-          </a:xfrm>
-          <a:custGeom>
-            <a:avLst/>
-            <a:gdLst/>
-            <a:ahLst/>
-            <a:cxnLst/>
-            <a:rect l="l" t="t" r="r" b="b"/>
-            <a:pathLst>
-              <a:path w="1495425" h="1567179">
-                <a:moveTo>
-                  <a:pt x="0" y="0"/>
-                </a:moveTo>
-                <a:lnTo>
-                  <a:pt x="1442720" y="1566672"/>
-                </a:lnTo>
-                <a:lnTo>
-                  <a:pt x="1495044" y="1566672"/>
-                </a:lnTo>
-                <a:lnTo>
-                  <a:pt x="0" y="0"/>
-                </a:lnTo>
-                <a:close/>
-              </a:path>
-            </a:pathLst>
-          </a:custGeom>
-          <a:solidFill>
-            <a:srgbClr val="0C5A82"/>
-          </a:solidFill>
-        </p:spPr>
-        <p:txBody>
-          <a:bodyPr wrap="square" lIns="0" tIns="0" rIns="0" bIns="0" rtlCol="0"/>
-          <a:lstStyle/>
-          <a:p>
-            <a:endParaRPr/>
-          </a:p>
-        </p:txBody>
-      </p:sp>
-      <p:sp>
-        <p:nvSpPr>
-          <p:cNvPr id="6" name="object 6"/>
-          <p:cNvSpPr/>
-          <p:nvPr/>
-        </p:nvSpPr>
-        <p:spPr>
-          <a:xfrm>
-            <a:off x="457200" y="5286755"/>
-            <a:ext cx="2129155" cy="1571625"/>
-          </a:xfrm>
-          <a:custGeom>
-            <a:avLst/>
-            <a:gdLst/>
-            <a:ahLst/>
-            <a:cxnLst/>
-            <a:rect l="l" t="t" r="r" b="b"/>
-            <a:pathLst>
-              <a:path w="2129155" h="1571625">
-                <a:moveTo>
-                  <a:pt x="0" y="0"/>
-                </a:moveTo>
-                <a:lnTo>
-                  <a:pt x="0" y="4699"/>
-                </a:lnTo>
-                <a:lnTo>
-                  <a:pt x="1494408" y="1571243"/>
-                </a:lnTo>
-                <a:lnTo>
-                  <a:pt x="2129028" y="1571243"/>
-                </a:lnTo>
-                <a:lnTo>
-                  <a:pt x="247484" y="42799"/>
-                </a:lnTo>
-                <a:lnTo>
-                  <a:pt x="0" y="0"/>
-                </a:lnTo>
-                <a:close/>
-              </a:path>
-            </a:pathLst>
-          </a:custGeom>
-          <a:solidFill>
-            <a:srgbClr val="1286C3"/>
-          </a:solidFill>
-        </p:spPr>
-        <p:txBody>
-          <a:bodyPr wrap="square" lIns="0" tIns="0" rIns="0" bIns="0" rtlCol="0"/>
-          <a:lstStyle/>
-          <a:p>
-            <a:endParaRPr/>
-          </a:p>
-        </p:txBody>
-      </p:sp>
-      <p:sp>
-        <p:nvSpPr>
-          <p:cNvPr id="7" name="object 7"/>
-          <p:cNvSpPr/>
-          <p:nvPr/>
-        </p:nvSpPr>
-        <p:spPr>
-          <a:xfrm>
-            <a:off x="150876" y="5239511"/>
-            <a:ext cx="1694814" cy="1618615"/>
-          </a:xfrm>
-          <a:custGeom>
-            <a:avLst/>
-            <a:gdLst/>
-            <a:ahLst/>
-            <a:cxnLst/>
-            <a:rect l="l" t="t" r="r" b="b"/>
-            <a:pathLst>
-              <a:path w="1694814" h="1618615">
-                <a:moveTo>
-                  <a:pt x="0" y="0"/>
-                </a:moveTo>
-                <a:lnTo>
-                  <a:pt x="1228217" y="1618487"/>
-                </a:lnTo>
-                <a:lnTo>
-                  <a:pt x="1694688" y="1618487"/>
-                </a:lnTo>
-                <a:lnTo>
-                  <a:pt x="291972" y="95250"/>
-                </a:lnTo>
-                <a:lnTo>
-                  <a:pt x="244360" y="42799"/>
-                </a:lnTo>
-                <a:lnTo>
-                  <a:pt x="249123" y="42799"/>
-                </a:lnTo>
-                <a:lnTo>
-                  <a:pt x="249123" y="38100"/>
-                </a:lnTo>
-                <a:lnTo>
-                  <a:pt x="244360" y="38100"/>
-                </a:lnTo>
-                <a:lnTo>
-                  <a:pt x="0" y="0"/>
-                </a:lnTo>
-                <a:close/>
-              </a:path>
-            </a:pathLst>
-          </a:custGeom>
-          <a:solidFill>
-            <a:srgbClr val="404040"/>
-          </a:solidFill>
-        </p:spPr>
-        <p:txBody>
-          <a:bodyPr wrap="square" lIns="0" tIns="0" rIns="0" bIns="0" rtlCol="0"/>
-          <a:lstStyle/>
-          <a:p>
-            <a:endParaRPr/>
-          </a:p>
-        </p:txBody>
-      </p:sp>
-      <p:sp>
-        <p:nvSpPr>
-          <p:cNvPr id="8" name="object 8"/>
-          <p:cNvSpPr/>
-          <p:nvPr/>
-        </p:nvSpPr>
-        <p:spPr>
-          <a:xfrm>
-            <a:off x="0" y="6146290"/>
-            <a:ext cx="12188951" cy="711707"/>
-          </a:xfrm>
-          <a:prstGeom prst="rect">
-            <a:avLst/>
-          </a:prstGeom>
-          <a:blipFill>
-            <a:blip r:embed="rId3" cstate="print"/>
-            <a:stretch>
-              <a:fillRect/>
-            </a:stretch>
-          </a:blipFill>
-        </p:spPr>
-        <p:txBody>
-          <a:bodyPr wrap="square" lIns="0" tIns="0" rIns="0" bIns="0" rtlCol="0"/>
-          <a:lstStyle/>
-          <a:p>
-            <a:endParaRPr/>
-          </a:p>
-        </p:txBody>
-      </p:sp>
-      <p:sp>
-        <p:nvSpPr>
-          <p:cNvPr id="9" name="object 9"/>
-          <p:cNvSpPr/>
-          <p:nvPr/>
-        </p:nvSpPr>
-        <p:spPr>
-          <a:xfrm>
-            <a:off x="5359908" y="6316978"/>
-            <a:ext cx="1690115" cy="446530"/>
-          </a:xfrm>
-          <a:prstGeom prst="rect">
-            <a:avLst/>
-          </a:prstGeom>
-          <a:blipFill>
-            <a:blip r:embed="rId4" cstate="print"/>
-            <a:stretch>
-              <a:fillRect/>
-            </a:stretch>
-          </a:blipFill>
-        </p:spPr>
-        <p:txBody>
-          <a:bodyPr wrap="square" lIns="0" tIns="0" rIns="0" bIns="0" rtlCol="0"/>
-          <a:lstStyle/>
-          <a:p>
-            <a:endParaRPr/>
-          </a:p>
-        </p:txBody>
-      </p:sp>
-      <p:sp>
-        <p:nvSpPr>
-          <p:cNvPr id="10" name="object 10"/>
-          <p:cNvSpPr txBox="1"/>
-          <p:nvPr/>
-        </p:nvSpPr>
-        <p:spPr>
-          <a:xfrm>
-            <a:off x="3657600" y="319056"/>
-            <a:ext cx="5410199" cy="984885"/>
-          </a:xfrm>
-          <a:prstGeom prst="rect">
-            <a:avLst/>
-          </a:prstGeom>
-        </p:spPr>
-        <p:txBody>
-          <a:bodyPr vert="horz" wrap="square" lIns="0" tIns="0" rIns="0" bIns="0" rtlCol="0">
-            <a:spAutoFit/>
-          </a:bodyPr>
-          <a:lstStyle/>
-          <a:p>
-            <a:pPr marL="614045" algn="ctr">
-              <a:lnSpc>
-                <a:spcPct val="100000"/>
-              </a:lnSpc>
-            </a:pPr>
-            <a:r>
-              <a:rPr lang="es-ES" sz="3200" b="1" spc="165" dirty="0">
-                <a:latin typeface="Arial"/>
-                <a:cs typeface="Arial"/>
-              </a:rPr>
-              <a:t>Nombres de los ejes y del gráfico</a:t>
-            </a:r>
-            <a:endParaRPr sz="3200" b="1" dirty="0">
-              <a:latin typeface="Arial"/>
-              <a:cs typeface="Arial"/>
-            </a:endParaRPr>
-          </a:p>
-        </p:txBody>
-      </p:sp>
-      <p:sp>
-        <p:nvSpPr>
-          <p:cNvPr id="11" name="object 11"/>
-          <p:cNvSpPr/>
-          <p:nvPr/>
-        </p:nvSpPr>
-        <p:spPr>
-          <a:xfrm>
-            <a:off x="3221735" y="1598675"/>
-            <a:ext cx="6774179" cy="4224528"/>
-          </a:xfrm>
-          <a:prstGeom prst="rect">
-            <a:avLst/>
-          </a:prstGeom>
-          <a:blipFill>
-            <a:blip r:embed="rId5" cstate="print"/>
-            <a:stretch>
-              <a:fillRect/>
-            </a:stretch>
-          </a:blipFill>
-        </p:spPr>
-        <p:txBody>
-          <a:bodyPr wrap="square" lIns="0" tIns="0" rIns="0" bIns="0" rtlCol="0"/>
-          <a:lstStyle/>
-          <a:p>
-            <a:endParaRPr/>
-          </a:p>
-        </p:txBody>
-      </p:sp>
-    </p:spTree>
-  </p:cSld>
-  <p:clrMapOvr>
-    <a:masterClrMapping/>
-  </p:clrMapOvr>
-</p:sld>
-</file>
-
-<file path=ppt/slides/slide11.xml><?xml version="1.0" encoding="utf-8"?>
 <p:sld xmlns:a="http://schemas.openxmlformats.org/drawingml/2006/main" xmlns:r="http://schemas.openxmlformats.org/officeDocument/2006/relationships" xmlns:p="http://schemas.openxmlformats.org/presentationml/2006/main">
   <p:cSld>
     <p:spTree>
@@ -6074,7 +5566,7 @@
 </p:sld>
 </file>
 
-<file path=ppt/slides/slide12.xml><?xml version="1.0" encoding="utf-8"?>
+<file path=ppt/slides/slide11.xml><?xml version="1.0" encoding="utf-8"?>
 <p:sld xmlns:a="http://schemas.openxmlformats.org/drawingml/2006/main" xmlns:r="http://schemas.openxmlformats.org/officeDocument/2006/relationships" xmlns:p="http://schemas.openxmlformats.org/presentationml/2006/main">
   <p:cSld>
     <p:spTree>
@@ -6617,44 +6109,8 @@
               </a:lnSpc>
             </a:pPr>
             <a:r>
-              <a:rPr sz="3600" b="1" spc="-20" dirty="0"/>
-              <a:t>Eje</a:t>
-            </a:r>
-            <a:r>
-              <a:rPr sz="3600" b="1" spc="-35" dirty="0"/>
-              <a:t>m</a:t>
-            </a:r>
-            <a:r>
-              <a:rPr sz="3600" b="1" spc="-15" dirty="0"/>
-              <a:t>plo</a:t>
-            </a:r>
-            <a:r>
-              <a:rPr sz="3600" b="1" spc="10" dirty="0"/>
-              <a:t> </a:t>
-            </a:r>
-            <a:r>
-              <a:rPr sz="3600" b="1" spc="-15" dirty="0"/>
-              <a:t>de</a:t>
-            </a:r>
-            <a:r>
-              <a:rPr sz="3600" b="1" spc="-5" dirty="0"/>
-              <a:t> </a:t>
-            </a:r>
-            <a:r>
-              <a:rPr sz="3600" b="1" spc="-15" dirty="0"/>
-              <a:t>una</a:t>
-            </a:r>
-            <a:r>
-              <a:rPr sz="3600" b="1" spc="-5" dirty="0"/>
-              <a:t> </a:t>
-            </a:r>
-            <a:r>
-              <a:rPr sz="3600" b="1" spc="-15" dirty="0" err="1"/>
-              <a:t>gráfica</a:t>
-            </a:r>
-            <a:r>
-              <a:rPr sz="3600" b="1" spc="15" dirty="0"/>
-              <a:t> </a:t>
+              <a:rPr lang="es-MX" sz="3600" b="1" spc="-20" dirty="0"/>
+              <a:t>Gráfica </a:t>
             </a:r>
             <a:r>
               <a:rPr lang="es-MX" sz="3600" b="1" spc="-15" dirty="0"/>
@@ -6674,10 +6130,10 @@
       </p:sp>
       <p:pic>
         <p:nvPicPr>
-          <p:cNvPr id="17" name="Picture 16">
+          <p:cNvPr id="19" name="Picture 18">
             <a:extLst>
               <a:ext uri="{FF2B5EF4-FFF2-40B4-BE49-F238E27FC236}">
-                <a16:creationId xmlns:a16="http://schemas.microsoft.com/office/drawing/2014/main" id="{5C17BD36-507B-C429-0930-AABA858458CC}"/>
+                <a16:creationId xmlns:a16="http://schemas.microsoft.com/office/drawing/2014/main" id="{2C93AD0F-FE6E-4921-CEF1-D1FB1FF0A04B}"/>
               </a:ext>
             </a:extLst>
           </p:cNvPr>
@@ -6694,8 +6150,8 @@
         </p:blipFill>
         <p:spPr>
           <a:xfrm>
-            <a:off x="540768" y="996733"/>
-            <a:ext cx="7765456" cy="3415174"/>
+            <a:off x="449070" y="933330"/>
+            <a:ext cx="7816597" cy="3683606"/>
           </a:xfrm>
           <a:prstGeom prst="rect">
             <a:avLst/>
@@ -6724,7 +6180,7 @@
         </p:blipFill>
         <p:spPr>
           <a:xfrm>
-            <a:off x="7430463" y="3058078"/>
+            <a:off x="7347113" y="3038044"/>
             <a:ext cx="4610661" cy="3624597"/>
           </a:xfrm>
           <a:prstGeom prst="rect">
@@ -6740,7 +6196,7 @@
 </p:sld>
 </file>
 
-<file path=ppt/slides/slide13.xml><?xml version="1.0" encoding="utf-8"?>
+<file path=ppt/slides/slide12.xml><?xml version="1.0" encoding="utf-8"?>
 <p:sld xmlns:a="http://schemas.openxmlformats.org/drawingml/2006/main" xmlns:r="http://schemas.openxmlformats.org/officeDocument/2006/relationships" xmlns:p="http://schemas.openxmlformats.org/presentationml/2006/main">
   <p:cSld>
     <p:spTree>
@@ -7264,8 +6720,8 @@
         </p:nvSpPr>
         <p:spPr>
           <a:xfrm>
-            <a:off x="2286000" y="278819"/>
-            <a:ext cx="7696200" cy="553998"/>
+            <a:off x="1514157" y="299453"/>
+            <a:ext cx="9017000" cy="553998"/>
           </a:xfrm>
           <a:prstGeom prst="rect">
             <a:avLst/>
@@ -7283,44 +6739,8 @@
               </a:lnSpc>
             </a:pPr>
             <a:r>
-              <a:rPr sz="3600" b="1" spc="-20" dirty="0"/>
-              <a:t>Eje</a:t>
-            </a:r>
-            <a:r>
-              <a:rPr sz="3600" b="1" spc="-35" dirty="0"/>
-              <a:t>m</a:t>
-            </a:r>
-            <a:r>
-              <a:rPr sz="3600" b="1" spc="-15" dirty="0"/>
-              <a:t>plo</a:t>
-            </a:r>
-            <a:r>
-              <a:rPr sz="3600" b="1" spc="10" dirty="0"/>
-              <a:t> </a:t>
-            </a:r>
-            <a:r>
-              <a:rPr sz="3600" b="1" spc="-15" dirty="0"/>
-              <a:t>de</a:t>
-            </a:r>
-            <a:r>
-              <a:rPr sz="3600" b="1" spc="-5" dirty="0"/>
-              <a:t> </a:t>
-            </a:r>
-            <a:r>
-              <a:rPr sz="3600" b="1" spc="-15" dirty="0"/>
-              <a:t>una</a:t>
-            </a:r>
-            <a:r>
-              <a:rPr sz="3600" b="1" spc="-5" dirty="0"/>
-              <a:t> </a:t>
-            </a:r>
-            <a:r>
-              <a:rPr sz="3600" b="1" spc="-15" dirty="0" err="1"/>
-              <a:t>gráfica</a:t>
-            </a:r>
-            <a:r>
-              <a:rPr sz="3600" b="1" spc="15" dirty="0"/>
-              <a:t> </a:t>
+              <a:rPr lang="es-MX" sz="3600" b="1" spc="-20" dirty="0"/>
+              <a:t>Gráfica </a:t>
             </a:r>
             <a:r>
               <a:rPr lang="es-MX" sz="3600" b="1" spc="-15" dirty="0"/>
@@ -7331,8 +6751,12 @@
               <a:t> </a:t>
             </a:r>
             <a:r>
-              <a:rPr sz="3600" b="1" spc="-15" dirty="0"/>
+              <a:rPr sz="3600" b="1" spc="-15" dirty="0" err="1"/>
               <a:t>líneas</a:t>
+            </a:r>
+            <a:r>
+              <a:rPr lang="es-MX" sz="3600" b="1" spc="-15" dirty="0"/>
+              <a:t> y rotación de etiquetas</a:t>
             </a:r>
             <a:endParaRPr sz="3600" b="1" dirty="0"/>
           </a:p>
@@ -7340,10 +6764,10 @@
       </p:sp>
       <p:pic>
         <p:nvPicPr>
-          <p:cNvPr id="19" name="Picture 18">
+          <p:cNvPr id="18" name="Picture 17">
             <a:extLst>
               <a:ext uri="{FF2B5EF4-FFF2-40B4-BE49-F238E27FC236}">
-                <a16:creationId xmlns:a16="http://schemas.microsoft.com/office/drawing/2014/main" id="{B0E05EB1-B0D8-958D-802C-36C4D5B017CC}"/>
+                <a16:creationId xmlns:a16="http://schemas.microsoft.com/office/drawing/2014/main" id="{CC242DF1-B464-597E-3E29-6E0F696952F8}"/>
               </a:ext>
             </a:extLst>
           </p:cNvPr>
@@ -7360,8 +6784,8 @@
         </p:blipFill>
         <p:spPr>
           <a:xfrm>
-            <a:off x="665992" y="1047417"/>
-            <a:ext cx="7171359" cy="3145333"/>
+            <a:off x="565144" y="1034213"/>
+            <a:ext cx="7638396" cy="3842587"/>
           </a:xfrm>
           <a:prstGeom prst="rect">
             <a:avLst/>
@@ -7370,10 +6794,10 @@
       </p:pic>
       <p:pic>
         <p:nvPicPr>
-          <p:cNvPr id="16" name="Picture 15">
+          <p:cNvPr id="15" name="Picture 14">
             <a:extLst>
               <a:ext uri="{FF2B5EF4-FFF2-40B4-BE49-F238E27FC236}">
-                <a16:creationId xmlns:a16="http://schemas.microsoft.com/office/drawing/2014/main" id="{1D46C42B-4300-B818-E157-E19884B8779E}"/>
+                <a16:creationId xmlns:a16="http://schemas.microsoft.com/office/drawing/2014/main" id="{CC3F594C-6D9B-71D7-0233-26D4C3859A57}"/>
               </a:ext>
             </a:extLst>
           </p:cNvPr>
@@ -7390,8 +6814,8 @@
         </p:blipFill>
         <p:spPr>
           <a:xfrm>
-            <a:off x="7203947" y="3463161"/>
-            <a:ext cx="4772606" cy="3145333"/>
+            <a:off x="7594469" y="3113887"/>
+            <a:ext cx="4348727" cy="3411369"/>
           </a:xfrm>
           <a:prstGeom prst="rect">
             <a:avLst/>
@@ -7411,7 +6835,7 @@
 </p:sld>
 </file>
 
-<file path=ppt/slides/slide14.xml><?xml version="1.0" encoding="utf-8"?>
+<file path=ppt/slides/slide13.xml><?xml version="1.0" encoding="utf-8"?>
 <p:sld xmlns:a="http://schemas.openxmlformats.org/drawingml/2006/main" xmlns:r="http://schemas.openxmlformats.org/officeDocument/2006/relationships" xmlns:p="http://schemas.openxmlformats.org/presentationml/2006/main">
   <p:cSld>
     <p:spTree>
@@ -7986,7 +7410,7 @@
 </p:sld>
 </file>
 
-<file path=ppt/slides/slide15.xml><?xml version="1.0" encoding="utf-8"?>
+<file path=ppt/slides/slide14.xml><?xml version="1.0" encoding="utf-8"?>
 <p:sld xmlns:a="http://schemas.openxmlformats.org/drawingml/2006/main" xmlns:r="http://schemas.openxmlformats.org/officeDocument/2006/relationships" xmlns:p="http://schemas.openxmlformats.org/presentationml/2006/main">
   <p:cSld>
     <p:spTree>
@@ -9016,7 +8440,7 @@
 </p:sld>
 </file>
 
-<file path=ppt/slides/slide16.xml><?xml version="1.0" encoding="utf-8"?>
+<file path=ppt/slides/slide15.xml><?xml version="1.0" encoding="utf-8"?>
 <p:sld xmlns:a="http://schemas.openxmlformats.org/drawingml/2006/main" xmlns:r="http://schemas.openxmlformats.org/officeDocument/2006/relationships" xmlns:p="http://schemas.openxmlformats.org/presentationml/2006/main">
   <p:cSld>
     <p:spTree>
@@ -9070,8 +8494,8 @@
         </p:nvSpPr>
         <p:spPr>
           <a:xfrm>
-            <a:off x="3581400" y="219702"/>
-            <a:ext cx="5597525" cy="1231106"/>
+            <a:off x="914400" y="257749"/>
+            <a:ext cx="9982200" cy="615553"/>
           </a:xfrm>
           <a:prstGeom prst="rect">
             <a:avLst/>
@@ -9173,14 +8597,14 @@
               <a:t> </a:t>
             </a:r>
             <a:r>
-              <a:rPr sz="4000" b="1" spc="114" dirty="0">
+              <a:rPr sz="4000" b="1" spc="114" dirty="0" err="1">
                 <a:latin typeface="Corbel"/>
                 <a:cs typeface="Corbel"/>
               </a:rPr>
               <a:t>e</a:t>
             </a:r>
             <a:r>
-              <a:rPr sz="4000" b="1" spc="-25" dirty="0">
+              <a:rPr sz="4000" b="1" spc="-25" dirty="0" err="1">
                 <a:latin typeface="Corbel"/>
                 <a:cs typeface="Corbel"/>
               </a:rPr>
@@ -9200,54 +8624,50 @@
               </a:rPr>
               <a:t>un</a:t>
             </a:r>
-            <a:endParaRPr sz="4000" b="1" dirty="0">
-              <a:latin typeface="Corbel"/>
-              <a:cs typeface="Corbel"/>
-            </a:endParaRPr>
-          </a:p>
-          <a:p>
-            <a:pPr marR="16510" algn="ctr">
-              <a:lnSpc>
-                <a:spcPct val="100000"/>
-              </a:lnSpc>
-            </a:pPr>
-            <a:r>
-              <a:rPr sz="4000" b="1" spc="165" dirty="0">
+            <a:r>
+              <a:rPr lang="es-MX" sz="4000" b="1" spc="110" dirty="0">
+                <a:latin typeface="Corbel"/>
+                <a:cs typeface="Corbel"/>
+              </a:rPr>
+              <a:t> </a:t>
+            </a:r>
+            <a:r>
+              <a:rPr sz="4000" b="1" spc="165" dirty="0" err="1">
                 <a:latin typeface="Corbel"/>
                 <a:cs typeface="Corbel"/>
               </a:rPr>
               <a:t>t</a:t>
             </a:r>
             <a:r>
-              <a:rPr sz="4000" b="1" spc="140" dirty="0">
+              <a:rPr sz="4000" b="1" spc="140" dirty="0" err="1">
                 <a:latin typeface="Corbel"/>
                 <a:cs typeface="Corbel"/>
               </a:rPr>
               <a:t>a</a:t>
             </a:r>
             <a:r>
-              <a:rPr sz="4000" b="1" spc="130" dirty="0">
+              <a:rPr sz="4000" b="1" spc="130" dirty="0" err="1">
                 <a:latin typeface="Corbel"/>
                 <a:cs typeface="Corbel"/>
               </a:rPr>
               <a:t>b</a:t>
             </a:r>
             <a:r>
-              <a:rPr sz="4000" b="1" spc="150" dirty="0">
+              <a:rPr sz="4000" b="1" spc="150" dirty="0" err="1">
                 <a:latin typeface="Corbel"/>
                 <a:cs typeface="Corbel"/>
               </a:rPr>
               <a:t>l</a:t>
             </a:r>
             <a:r>
-              <a:rPr sz="4000" b="1" spc="145" dirty="0">
+              <a:rPr sz="4000" b="1" spc="145" dirty="0" err="1">
                 <a:latin typeface="Corbel"/>
                 <a:cs typeface="Corbel"/>
               </a:rPr>
               <a:t>er</a:t>
             </a:r>
             <a:r>
-              <a:rPr sz="4000" b="1" spc="-25" dirty="0">
+              <a:rPr sz="4000" b="1" spc="-25" dirty="0" err="1">
                 <a:latin typeface="Corbel"/>
                 <a:cs typeface="Corbel"/>
               </a:rPr>
@@ -9308,7 +8728,7 @@
         </p:nvSpPr>
         <p:spPr>
           <a:xfrm>
-            <a:off x="4015866" y="5304971"/>
+            <a:off x="3741990" y="5025232"/>
             <a:ext cx="3991610" cy="603885"/>
           </a:xfrm>
           <a:prstGeom prst="rect">
@@ -9524,10 +8944,16 @@
           <p:cNvGraphicFramePr>
             <a:graphicFrameLocks noGrp="1"/>
           </p:cNvGraphicFramePr>
-          <p:nvPr/>
+          <p:nvPr>
+            <p:extLst>
+              <p:ext uri="{D42A27DB-BD31-4B8C-83A1-F6EECF244321}">
+                <p14:modId xmlns:p14="http://schemas.microsoft.com/office/powerpoint/2010/main" val="2268053452"/>
+              </p:ext>
+            </p:extLst>
+          </p:nvPr>
         </p:nvGraphicFramePr>
         <p:xfrm>
-          <a:off x="3883152" y="1720016"/>
+          <a:off x="3609276" y="1440277"/>
           <a:ext cx="5191377" cy="651368"/>
         </p:xfrm>
         <a:graphic>
@@ -9904,7 +9330,7 @@
                         </a:rPr>
                         <a:t>a	1</a:t>
                       </a:r>
-                      <a:endParaRPr sz="1800">
+                      <a:endParaRPr sz="1800" dirty="0">
                         <a:latin typeface="Arial"/>
                         <a:cs typeface="Arial"/>
                       </a:endParaRPr>
@@ -10029,7 +9455,7 @@
                         </a:rPr>
                         <a:t>1)</a:t>
                       </a:r>
-                      <a:endParaRPr sz="2400">
+                      <a:endParaRPr sz="2400" dirty="0">
                         <a:latin typeface="Courier New"/>
                         <a:cs typeface="Courier New"/>
                       </a:endParaRPr>
@@ -10053,10 +9479,16 @@
           <p:cNvGraphicFramePr>
             <a:graphicFrameLocks noGrp="1"/>
           </p:cNvGraphicFramePr>
-          <p:nvPr/>
+          <p:nvPr>
+            <p:extLst>
+              <p:ext uri="{D42A27DB-BD31-4B8C-83A1-F6EECF244321}">
+                <p14:modId xmlns:p14="http://schemas.microsoft.com/office/powerpoint/2010/main" val="432052125"/>
+              </p:ext>
+            </p:extLst>
+          </p:nvPr>
         </p:nvGraphicFramePr>
         <p:xfrm>
-          <a:off x="3883152" y="2909371"/>
+          <a:off x="3609276" y="2629632"/>
           <a:ext cx="5191377" cy="650939"/>
         </p:xfrm>
         <a:graphic>
@@ -10645,10 +10077,16 @@
           <p:cNvGraphicFramePr>
             <a:graphicFrameLocks noGrp="1"/>
           </p:cNvGraphicFramePr>
-          <p:nvPr/>
+          <p:nvPr>
+            <p:extLst>
+              <p:ext uri="{D42A27DB-BD31-4B8C-83A1-F6EECF244321}">
+                <p14:modId xmlns:p14="http://schemas.microsoft.com/office/powerpoint/2010/main" val="3138362556"/>
+              </p:ext>
+            </p:extLst>
+          </p:nvPr>
         </p:nvGraphicFramePr>
         <p:xfrm>
-          <a:off x="3883152" y="4098726"/>
+          <a:off x="3609276" y="3818987"/>
           <a:ext cx="5189853" cy="651178"/>
         </p:xfrm>
         <a:graphic>
@@ -11176,6 +10614,173 @@
 </p:sld>
 </file>
 
+<file path=ppt/slides/slide16.xml><?xml version="1.0" encoding="utf-8"?>
+<p:sld xmlns:a="http://schemas.openxmlformats.org/drawingml/2006/main" xmlns:r="http://schemas.openxmlformats.org/officeDocument/2006/relationships" xmlns:p="http://schemas.openxmlformats.org/presentationml/2006/main">
+  <p:cSld>
+    <p:spTree>
+      <p:nvGrpSpPr>
+        <p:cNvPr id="1" name=""/>
+        <p:cNvGrpSpPr/>
+        <p:nvPr/>
+      </p:nvGrpSpPr>
+      <p:grpSpPr>
+        <a:xfrm>
+          <a:off x="0" y="0"/>
+          <a:ext cx="0" cy="0"/>
+          <a:chOff x="0" y="0"/>
+          <a:chExt cx="0" cy="0"/>
+        </a:xfrm>
+      </p:grpSpPr>
+      <p:sp>
+        <p:nvSpPr>
+          <p:cNvPr id="2" name="object 2"/>
+          <p:cNvSpPr txBox="1"/>
+          <p:nvPr/>
+        </p:nvSpPr>
+        <p:spPr>
+          <a:xfrm>
+            <a:off x="2367852" y="152400"/>
+            <a:ext cx="7931784" cy="615553"/>
+          </a:xfrm>
+          <a:prstGeom prst="rect">
+            <a:avLst/>
+          </a:prstGeom>
+        </p:spPr>
+        <p:txBody>
+          <a:bodyPr vert="horz" wrap="square" lIns="0" tIns="0" rIns="0" bIns="0" rtlCol="0">
+            <a:spAutoFit/>
+          </a:bodyPr>
+          <a:lstStyle/>
+          <a:p>
+            <a:pPr marL="12700" algn="ctr">
+              <a:lnSpc>
+                <a:spcPct val="100000"/>
+              </a:lnSpc>
+              <a:tabLst>
+                <a:tab pos="1949450" algn="l"/>
+              </a:tabLst>
+            </a:pPr>
+            <a:r>
+              <a:rPr lang="es-MX" sz="4000" b="1" spc="-25" dirty="0">
+                <a:latin typeface="Corbel"/>
+                <a:cs typeface="Corbel"/>
+              </a:rPr>
+              <a:t>Varias </a:t>
+            </a:r>
+            <a:r>
+              <a:rPr sz="4000" b="1" spc="-20" dirty="0" err="1">
+                <a:latin typeface="Corbel"/>
+                <a:cs typeface="Corbel"/>
+              </a:rPr>
+              <a:t>gráficas</a:t>
+            </a:r>
+            <a:r>
+              <a:rPr sz="4000" b="1" spc="-15" dirty="0">
+                <a:latin typeface="Corbel"/>
+                <a:cs typeface="Corbel"/>
+              </a:rPr>
+              <a:t> </a:t>
+            </a:r>
+            <a:r>
+              <a:rPr sz="4000" b="1" spc="-25" dirty="0">
+                <a:latin typeface="Corbel"/>
+                <a:cs typeface="Corbel"/>
+              </a:rPr>
+              <a:t>en</a:t>
+            </a:r>
+            <a:r>
+              <a:rPr sz="4000" b="1" spc="5" dirty="0">
+                <a:latin typeface="Corbel"/>
+                <a:cs typeface="Corbel"/>
+              </a:rPr>
+              <a:t> </a:t>
+            </a:r>
+            <a:r>
+              <a:rPr sz="4000" b="1" spc="-40" dirty="0">
+                <a:latin typeface="Corbel"/>
+                <a:cs typeface="Corbel"/>
+              </a:rPr>
+              <a:t>u</a:t>
+            </a:r>
+            <a:r>
+              <a:rPr sz="4000" b="1" dirty="0">
+                <a:latin typeface="Corbel"/>
+                <a:cs typeface="Corbel"/>
+              </a:rPr>
+              <a:t>n</a:t>
+            </a:r>
+            <a:r>
+              <a:rPr sz="4000" b="1" spc="-5" dirty="0">
+                <a:latin typeface="Corbel"/>
+                <a:cs typeface="Corbel"/>
+              </a:rPr>
+              <a:t> </a:t>
+            </a:r>
+            <a:r>
+              <a:rPr sz="4000" b="1" spc="5" dirty="0" err="1">
+                <a:latin typeface="Corbel"/>
+                <a:cs typeface="Corbel"/>
+              </a:rPr>
+              <a:t>t</a:t>
+            </a:r>
+            <a:r>
+              <a:rPr sz="4000" b="1" spc="-25" dirty="0" err="1">
+                <a:latin typeface="Corbel"/>
+                <a:cs typeface="Corbel"/>
+              </a:rPr>
+              <a:t>abl</a:t>
+            </a:r>
+            <a:r>
+              <a:rPr sz="4000" b="1" spc="-20" dirty="0" err="1">
+                <a:latin typeface="Corbel"/>
+                <a:cs typeface="Corbel"/>
+              </a:rPr>
+              <a:t>ero</a:t>
+            </a:r>
+            <a:endParaRPr sz="4000" b="1" dirty="0">
+              <a:latin typeface="Corbel"/>
+              <a:cs typeface="Corbel"/>
+            </a:endParaRPr>
+          </a:p>
+        </p:txBody>
+      </p:sp>
+      <p:sp>
+        <p:nvSpPr>
+          <p:cNvPr id="3" name="object 3"/>
+          <p:cNvSpPr/>
+          <p:nvPr/>
+        </p:nvSpPr>
+        <p:spPr>
+          <a:xfrm>
+            <a:off x="1752600" y="1075182"/>
+            <a:ext cx="9162288" cy="4707636"/>
+          </a:xfrm>
+          <a:prstGeom prst="rect">
+            <a:avLst/>
+          </a:prstGeom>
+          <a:blipFill>
+            <a:blip r:embed="rId3" cstate="print"/>
+            <a:stretch>
+              <a:fillRect/>
+            </a:stretch>
+          </a:blipFill>
+        </p:spPr>
+        <p:txBody>
+          <a:bodyPr wrap="square" lIns="0" tIns="0" rIns="0" bIns="0" rtlCol="0"/>
+          <a:lstStyle/>
+          <a:p>
+            <a:endParaRPr/>
+          </a:p>
+        </p:txBody>
+      </p:sp>
+    </p:spTree>
+  </p:cSld>
+  <p:clrMapOvr>
+    <a:masterClrMapping/>
+  </p:clrMapOvr>
+</p:sld>
+</file>
+
 <file path=ppt/slides/slide17.xml><?xml version="1.0" encoding="utf-8"?>
 <p:sld xmlns:a="http://schemas.openxmlformats.org/drawingml/2006/main" xmlns:r="http://schemas.openxmlformats.org/officeDocument/2006/relationships" xmlns:p="http://schemas.openxmlformats.org/presentationml/2006/main">
   <p:cSld>
@@ -11196,166 +10801,103 @@
       <p:sp>
         <p:nvSpPr>
           <p:cNvPr id="2" name="object 2"/>
-          <p:cNvSpPr txBox="1"/>
-          <p:nvPr/>
+          <p:cNvSpPr txBox="1">
+            <a:spLocks noGrp="1"/>
+          </p:cNvSpPr>
+          <p:nvPr>
+            <p:ph type="title"/>
+          </p:nvPr>
         </p:nvSpPr>
         <p:spPr>
           <a:xfrm>
-            <a:off x="2501010" y="245183"/>
-            <a:ext cx="7931784" cy="533400"/>
+            <a:off x="2362200" y="83573"/>
+            <a:ext cx="6324600" cy="508817"/>
           </a:xfrm>
           <a:prstGeom prst="rect">
             <a:avLst/>
           </a:prstGeom>
         </p:spPr>
         <p:txBody>
-          <a:bodyPr vert="horz" wrap="square" lIns="0" tIns="0" rIns="0" bIns="0" rtlCol="0">
+          <a:bodyPr vert="horz" wrap="square" lIns="0" tIns="77176" rIns="0" bIns="0" rtlCol="0">
             <a:spAutoFit/>
           </a:bodyPr>
           <a:lstStyle/>
           <a:p>
-            <a:pPr marL="12700">
+            <a:pPr marL="1903730">
               <a:lnSpc>
                 <a:spcPct val="100000"/>
               </a:lnSpc>
-              <a:tabLst>
-                <a:tab pos="1949450" algn="l"/>
-              </a:tabLst>
             </a:pPr>
             <a:r>
-              <a:rPr sz="4000" spc="-25" dirty="0">
-                <a:latin typeface="Corbel"/>
-                <a:cs typeface="Corbel"/>
-              </a:rPr>
-              <a:t>Ejemplo</a:t>
-            </a:r>
-            <a:r>
-              <a:rPr sz="4000" dirty="0">
-                <a:latin typeface="Corbel"/>
-                <a:cs typeface="Corbel"/>
-              </a:rPr>
-              <a:t>	</a:t>
-            </a:r>
-            <a:r>
-              <a:rPr sz="4000" spc="-20" dirty="0">
-                <a:latin typeface="Corbel"/>
-                <a:cs typeface="Corbel"/>
-              </a:rPr>
-              <a:t>varias</a:t>
-            </a:r>
-            <a:r>
-              <a:rPr sz="4000" spc="-5" dirty="0">
-                <a:latin typeface="Corbel"/>
-                <a:cs typeface="Corbel"/>
-              </a:rPr>
-              <a:t> </a:t>
-            </a:r>
-            <a:r>
-              <a:rPr sz="4000" spc="-20" dirty="0">
-                <a:latin typeface="Corbel"/>
-                <a:cs typeface="Corbel"/>
-              </a:rPr>
-              <a:t>gráficas</a:t>
-            </a:r>
-            <a:r>
-              <a:rPr sz="4000" spc="-15" dirty="0">
-                <a:latin typeface="Corbel"/>
-                <a:cs typeface="Corbel"/>
-              </a:rPr>
-              <a:t> </a:t>
-            </a:r>
-            <a:r>
-              <a:rPr sz="4000" spc="-25" dirty="0">
-                <a:latin typeface="Corbel"/>
-                <a:cs typeface="Corbel"/>
-              </a:rPr>
-              <a:t>en</a:t>
-            </a:r>
-            <a:r>
-              <a:rPr sz="4000" spc="5" dirty="0">
-                <a:latin typeface="Corbel"/>
-                <a:cs typeface="Corbel"/>
-              </a:rPr>
-              <a:t> </a:t>
-            </a:r>
-            <a:r>
-              <a:rPr sz="4000" spc="-40" dirty="0">
-                <a:latin typeface="Corbel"/>
-                <a:cs typeface="Corbel"/>
-              </a:rPr>
-              <a:t>u</a:t>
-            </a:r>
-            <a:r>
-              <a:rPr sz="4000" dirty="0">
-                <a:latin typeface="Corbel"/>
-                <a:cs typeface="Corbel"/>
-              </a:rPr>
-              <a:t>n</a:t>
-            </a:r>
-            <a:r>
-              <a:rPr sz="4000" spc="-5" dirty="0">
-                <a:latin typeface="Corbel"/>
-                <a:cs typeface="Corbel"/>
-              </a:rPr>
-              <a:t> </a:t>
-            </a:r>
-            <a:r>
-              <a:rPr sz="4000" spc="5" dirty="0">
-                <a:latin typeface="Corbel"/>
-                <a:cs typeface="Corbel"/>
-              </a:rPr>
-              <a:t>t</a:t>
-            </a:r>
-            <a:r>
-              <a:rPr sz="4000" spc="-25" dirty="0">
-                <a:latin typeface="Corbel"/>
-                <a:cs typeface="Corbel"/>
-              </a:rPr>
-              <a:t>abl</a:t>
-            </a:r>
-            <a:r>
-              <a:rPr sz="4000" spc="-20" dirty="0">
-                <a:latin typeface="Corbel"/>
-                <a:cs typeface="Corbel"/>
-              </a:rPr>
-              <a:t>ero.</a:t>
-            </a:r>
-            <a:endParaRPr sz="4000">
-              <a:latin typeface="Corbel"/>
-              <a:cs typeface="Corbel"/>
-            </a:endParaRPr>
-          </a:p>
-        </p:txBody>
-      </p:sp>
-      <p:sp>
-        <p:nvSpPr>
-          <p:cNvPr id="3" name="object 3"/>
-          <p:cNvSpPr/>
+              <a:rPr sz="2800" spc="-20" dirty="0"/>
+              <a:t>Est</a:t>
+            </a:r>
+            <a:r>
+              <a:rPr sz="2800" spc="-15" dirty="0"/>
+              <a:t>e</a:t>
+            </a:r>
+            <a:r>
+              <a:rPr sz="2800" spc="10" dirty="0"/>
+              <a:t> </a:t>
+            </a:r>
+            <a:r>
+              <a:rPr sz="2800" spc="-20" dirty="0"/>
+              <a:t>serí</a:t>
+            </a:r>
+            <a:r>
+              <a:rPr sz="2800" spc="-15" dirty="0"/>
+              <a:t>a</a:t>
+            </a:r>
+            <a:r>
+              <a:rPr sz="2800" spc="15" dirty="0"/>
+              <a:t> </a:t>
+            </a:r>
+            <a:r>
+              <a:rPr sz="2800" spc="-15" dirty="0"/>
+              <a:t>el</a:t>
+            </a:r>
+            <a:r>
+              <a:rPr sz="2800" spc="-5" dirty="0"/>
+              <a:t> </a:t>
+            </a:r>
+            <a:r>
+              <a:rPr sz="2800" spc="-15" dirty="0"/>
+              <a:t>resultado:</a:t>
+            </a:r>
+            <a:endParaRPr sz="2800" dirty="0"/>
+          </a:p>
+        </p:txBody>
+      </p:sp>
+      <p:pic>
+        <p:nvPicPr>
+          <p:cNvPr id="4" name="Picture 3">
+            <a:extLst>
+              <a:ext uri="{FF2B5EF4-FFF2-40B4-BE49-F238E27FC236}">
+                <a16:creationId xmlns:a16="http://schemas.microsoft.com/office/drawing/2014/main" id="{2085D9CC-CD89-2F68-4775-CDA8EEDB87F3}"/>
+              </a:ext>
+            </a:extLst>
+          </p:cNvPr>
+          <p:cNvPicPr>
+            <a:picLocks noChangeAspect="1"/>
+          </p:cNvPicPr>
           <p:nvPr/>
-        </p:nvSpPr>
+        </p:nvPicPr>
+        <p:blipFill>
+          <a:blip r:embed="rId3"/>
+          <a:stretch>
+            <a:fillRect/>
+          </a:stretch>
+        </p:blipFill>
         <p:spPr>
           <a:xfrm>
-            <a:off x="1752600" y="1075182"/>
-            <a:ext cx="9162288" cy="4707636"/>
+            <a:off x="471455" y="685800"/>
+            <a:ext cx="11326971" cy="6031477"/>
           </a:xfrm>
           <a:prstGeom prst="rect">
             <a:avLst/>
           </a:prstGeom>
-          <a:blipFill>
-            <a:blip r:embed="rId3" cstate="print"/>
-            <a:stretch>
-              <a:fillRect/>
-            </a:stretch>
-          </a:blipFill>
         </p:spPr>
-        <p:txBody>
-          <a:bodyPr wrap="square" lIns="0" tIns="0" rIns="0" bIns="0" rtlCol="0"/>
-          <a:lstStyle/>
-          <a:p>
-            <a:endParaRPr/>
-          </a:p>
-        </p:txBody>
-      </p:sp>
+      </p:pic>
     </p:spTree>
   </p:cSld>
   <p:clrMapOvr>
@@ -11384,6 +10926,35 @@
       <p:sp>
         <p:nvSpPr>
           <p:cNvPr id="2" name="object 2"/>
+          <p:cNvSpPr/>
+          <p:nvPr/>
+        </p:nvSpPr>
+        <p:spPr>
+          <a:xfrm>
+            <a:off x="5359908" y="6316978"/>
+            <a:ext cx="1690115" cy="446530"/>
+          </a:xfrm>
+          <a:prstGeom prst="rect">
+            <a:avLst/>
+          </a:prstGeom>
+          <a:blipFill>
+            <a:blip r:embed="rId3" cstate="print"/>
+            <a:stretch>
+              <a:fillRect/>
+            </a:stretch>
+          </a:blipFill>
+        </p:spPr>
+        <p:txBody>
+          <a:bodyPr wrap="square" lIns="0" tIns="0" rIns="0" bIns="0" rtlCol="0"/>
+          <a:lstStyle/>
+          <a:p>
+            <a:endParaRPr/>
+          </a:p>
+        </p:txBody>
+      </p:sp>
+      <p:sp>
+        <p:nvSpPr>
+          <p:cNvPr id="3" name="object 3"/>
           <p:cNvSpPr txBox="1">
             <a:spLocks noGrp="1"/>
           </p:cNvSpPr>
@@ -11392,91 +10963,1364 @@
           </p:nvPr>
         </p:nvSpPr>
         <p:spPr>
-          <a:prstGeom prst="rect">
-            <a:avLst/>
-          </a:prstGeom>
-        </p:spPr>
-        <p:txBody>
-          <a:bodyPr vert="horz" wrap="square" lIns="0" tIns="77176" rIns="0" bIns="0" rtlCol="0">
-            <a:spAutoFit/>
-          </a:bodyPr>
-          <a:lstStyle/>
-          <a:p>
-            <a:pPr marL="1903730">
-              <a:lnSpc>
-                <a:spcPct val="100000"/>
-              </a:lnSpc>
-            </a:pPr>
-            <a:r>
-              <a:rPr sz="2800" spc="-20" dirty="0"/>
-              <a:t>Est</a:t>
-            </a:r>
-            <a:r>
-              <a:rPr sz="2800" spc="-15" dirty="0"/>
-              <a:t>e</a:t>
-            </a:r>
-            <a:r>
-              <a:rPr sz="2800" spc="10" dirty="0"/>
-              <a:t> </a:t>
-            </a:r>
-            <a:r>
-              <a:rPr sz="2800" spc="-20" dirty="0"/>
-              <a:t>serí</a:t>
-            </a:r>
-            <a:r>
-              <a:rPr sz="2800" spc="-15" dirty="0"/>
-              <a:t>a</a:t>
-            </a:r>
-            <a:r>
-              <a:rPr sz="2800" spc="15" dirty="0"/>
-              <a:t> </a:t>
-            </a:r>
-            <a:r>
-              <a:rPr sz="2800" spc="-15" dirty="0"/>
-              <a:t>el</a:t>
-            </a:r>
-            <a:r>
-              <a:rPr sz="2800" spc="-5" dirty="0"/>
-              <a:t> </a:t>
-            </a:r>
-            <a:r>
-              <a:rPr sz="2800" spc="-15" dirty="0"/>
-              <a:t>resultado:</a:t>
-            </a:r>
-            <a:endParaRPr sz="2800"/>
-          </a:p>
-        </p:txBody>
-      </p:sp>
-      <p:pic>
-        <p:nvPicPr>
-          <p:cNvPr id="5" name="Imagen 4">
-            <a:extLst>
-              <a:ext uri="{FF2B5EF4-FFF2-40B4-BE49-F238E27FC236}">
-                <a16:creationId xmlns:a16="http://schemas.microsoft.com/office/drawing/2014/main" id="{97C6928A-4EBA-4A71-89C3-C1E4C3606198}"/>
-              </a:ext>
-            </a:extLst>
-          </p:cNvPr>
-          <p:cNvPicPr>
-            <a:picLocks noChangeAspect="1"/>
-          </p:cNvPicPr>
-          <p:nvPr/>
-        </p:nvPicPr>
-        <p:blipFill>
-          <a:blip r:embed="rId3"/>
-          <a:stretch>
-            <a:fillRect/>
-          </a:stretch>
-        </p:blipFill>
-        <p:spPr>
           <a:xfrm>
-            <a:off x="3657600" y="838200"/>
-            <a:ext cx="5791668" cy="4916885"/>
+            <a:off x="1968626" y="-152324"/>
+            <a:ext cx="8966454" cy="965304"/>
           </a:xfrm>
           <a:prstGeom prst="rect">
             <a:avLst/>
           </a:prstGeom>
         </p:spPr>
-      </p:pic>
+        <p:txBody>
+          <a:bodyPr vert="horz" wrap="square" lIns="0" tIns="346368" rIns="0" bIns="0" rtlCol="0">
+            <a:spAutoFit/>
+          </a:bodyPr>
+          <a:lstStyle/>
+          <a:p>
+            <a:pPr marL="92075" algn="ctr">
+              <a:lnSpc>
+                <a:spcPct val="100000"/>
+              </a:lnSpc>
+            </a:pPr>
+            <a:r>
+              <a:rPr lang="es-MX" b="1" spc="155" dirty="0"/>
+              <a:t>Laboratorio</a:t>
+            </a:r>
+            <a:endParaRPr b="1" spc="-25" dirty="0"/>
+          </a:p>
+        </p:txBody>
+      </p:sp>
+      <p:sp>
+        <p:nvSpPr>
+          <p:cNvPr id="4" name="object 4"/>
+          <p:cNvSpPr txBox="1"/>
+          <p:nvPr/>
+        </p:nvSpPr>
+        <p:spPr>
+          <a:xfrm>
+            <a:off x="8462518" y="6219669"/>
+            <a:ext cx="147320" cy="152400"/>
+          </a:xfrm>
+          <a:prstGeom prst="rect">
+            <a:avLst/>
+          </a:prstGeom>
+        </p:spPr>
+        <p:txBody>
+          <a:bodyPr vert="horz" wrap="square" lIns="0" tIns="0" rIns="0" bIns="0" rtlCol="0">
+            <a:spAutoFit/>
+          </a:bodyPr>
+          <a:lstStyle/>
+          <a:p>
+            <a:pPr marL="12700">
+              <a:lnSpc>
+                <a:spcPct val="100000"/>
+              </a:lnSpc>
+            </a:pPr>
+            <a:r>
+              <a:rPr sz="1000" spc="-55" dirty="0">
+                <a:latin typeface="Trebuchet MS"/>
+                <a:cs typeface="Trebuchet MS"/>
+              </a:rPr>
+              <a:t>20</a:t>
+            </a:r>
+            <a:endParaRPr sz="1000">
+              <a:latin typeface="Trebuchet MS"/>
+              <a:cs typeface="Trebuchet MS"/>
+            </a:endParaRPr>
+          </a:p>
+        </p:txBody>
+      </p:sp>
+      <p:sp>
+        <p:nvSpPr>
+          <p:cNvPr id="5" name="object 5"/>
+          <p:cNvSpPr txBox="1"/>
+          <p:nvPr/>
+        </p:nvSpPr>
+        <p:spPr>
+          <a:xfrm>
+            <a:off x="1600200" y="1385342"/>
+            <a:ext cx="10180510" cy="1789657"/>
+          </a:xfrm>
+          <a:prstGeom prst="rect">
+            <a:avLst/>
+          </a:prstGeom>
+        </p:spPr>
+        <p:txBody>
+          <a:bodyPr vert="horz" wrap="square" lIns="0" tIns="0" rIns="0" bIns="0" rtlCol="0">
+            <a:spAutoFit/>
+          </a:bodyPr>
+          <a:lstStyle/>
+          <a:p>
+            <a:pPr marL="12700" marR="409575" algn="just">
+              <a:lnSpc>
+                <a:spcPct val="150000"/>
+              </a:lnSpc>
+            </a:pPr>
+            <a:r>
+              <a:rPr sz="2000" b="1" spc="-90" dirty="0">
+                <a:latin typeface="Arial"/>
+                <a:cs typeface="Arial"/>
+              </a:rPr>
+              <a:t>T</a:t>
+            </a:r>
+            <a:r>
+              <a:rPr sz="2000" b="1" dirty="0">
+                <a:latin typeface="Arial"/>
+                <a:cs typeface="Arial"/>
+              </a:rPr>
+              <a:t>i</a:t>
+            </a:r>
+            <a:r>
+              <a:rPr sz="2000" b="1" spc="-10" dirty="0">
+                <a:latin typeface="Arial"/>
+                <a:cs typeface="Arial"/>
+              </a:rPr>
+              <a:t>p</a:t>
+            </a:r>
+            <a:r>
+              <a:rPr sz="2000" b="1" dirty="0">
+                <a:latin typeface="Arial"/>
+                <a:cs typeface="Arial"/>
+              </a:rPr>
+              <a:t>o</a:t>
+            </a:r>
+            <a:r>
+              <a:rPr sz="2000" b="1" spc="-25" dirty="0">
+                <a:latin typeface="Arial"/>
+                <a:cs typeface="Arial"/>
+              </a:rPr>
+              <a:t> </a:t>
+            </a:r>
+            <a:r>
+              <a:rPr sz="2000" b="1" dirty="0">
+                <a:latin typeface="Arial"/>
+                <a:cs typeface="Arial"/>
+              </a:rPr>
+              <a:t>de</a:t>
+            </a:r>
+            <a:r>
+              <a:rPr sz="2000" b="1" spc="-15" dirty="0">
+                <a:latin typeface="Arial"/>
+                <a:cs typeface="Arial"/>
+              </a:rPr>
+              <a:t> </a:t>
+            </a:r>
+            <a:r>
+              <a:rPr sz="2000" b="1" dirty="0">
+                <a:latin typeface="Arial"/>
+                <a:cs typeface="Arial"/>
+              </a:rPr>
+              <a:t>cambio</a:t>
+            </a:r>
+            <a:r>
+              <a:rPr sz="2000" b="1" spc="45" dirty="0">
+                <a:latin typeface="Arial"/>
+                <a:cs typeface="Arial"/>
+              </a:rPr>
+              <a:t> </a:t>
+            </a:r>
+            <a:r>
+              <a:rPr sz="2000" spc="5" dirty="0">
+                <a:latin typeface="Arial"/>
+                <a:cs typeface="Arial"/>
+              </a:rPr>
+              <a:t>de</a:t>
+            </a:r>
+            <a:r>
+              <a:rPr sz="2000" dirty="0">
+                <a:latin typeface="Arial"/>
+                <a:cs typeface="Arial"/>
+              </a:rPr>
+              <a:t>l</a:t>
+            </a:r>
+            <a:r>
+              <a:rPr sz="2000" spc="50" dirty="0">
+                <a:latin typeface="Arial"/>
+                <a:cs typeface="Arial"/>
+              </a:rPr>
+              <a:t> </a:t>
+            </a:r>
+            <a:r>
+              <a:rPr sz="2000" b="1" spc="15" dirty="0">
+                <a:latin typeface="Arial"/>
+                <a:cs typeface="Arial"/>
+              </a:rPr>
+              <a:t>dóla</a:t>
+            </a:r>
+            <a:r>
+              <a:rPr sz="2000" b="1" dirty="0">
+                <a:latin typeface="Arial"/>
+                <a:cs typeface="Arial"/>
+              </a:rPr>
+              <a:t>r</a:t>
+            </a:r>
+            <a:r>
+              <a:rPr sz="2000" b="1" spc="55" dirty="0">
+                <a:latin typeface="Arial"/>
+                <a:cs typeface="Arial"/>
+              </a:rPr>
+              <a:t> </a:t>
+            </a:r>
+            <a:r>
+              <a:rPr sz="2000" dirty="0">
+                <a:latin typeface="Arial"/>
+                <a:cs typeface="Arial"/>
+              </a:rPr>
+              <a:t>y</a:t>
+            </a:r>
+            <a:r>
+              <a:rPr sz="2000" spc="-80" dirty="0">
+                <a:latin typeface="Arial"/>
+                <a:cs typeface="Arial"/>
+              </a:rPr>
+              <a:t> </a:t>
+            </a:r>
+            <a:r>
+              <a:rPr sz="2000" spc="-15" dirty="0">
+                <a:latin typeface="Arial"/>
+                <a:cs typeface="Arial"/>
+              </a:rPr>
+              <a:t>e</a:t>
+            </a:r>
+            <a:r>
+              <a:rPr sz="2000" dirty="0">
+                <a:latin typeface="Arial"/>
+                <a:cs typeface="Arial"/>
+              </a:rPr>
+              <a:t>l</a:t>
+            </a:r>
+            <a:r>
+              <a:rPr sz="2000" spc="-40" dirty="0">
+                <a:latin typeface="Arial"/>
+                <a:cs typeface="Arial"/>
+              </a:rPr>
+              <a:t> </a:t>
+            </a:r>
+            <a:r>
+              <a:rPr sz="2000" b="1" dirty="0">
+                <a:latin typeface="Arial"/>
+                <a:cs typeface="Arial"/>
+              </a:rPr>
+              <a:t>euro</a:t>
+            </a:r>
+            <a:r>
+              <a:rPr sz="2000" b="1" spc="10" dirty="0">
+                <a:latin typeface="Arial"/>
+                <a:cs typeface="Arial"/>
+              </a:rPr>
+              <a:t> </a:t>
+            </a:r>
+            <a:r>
+              <a:rPr sz="2000" spc="-5" dirty="0">
+                <a:latin typeface="Arial"/>
+                <a:cs typeface="Arial"/>
+              </a:rPr>
+              <a:t>d</a:t>
+            </a:r>
+            <a:r>
+              <a:rPr sz="2000" dirty="0">
+                <a:latin typeface="Arial"/>
+                <a:cs typeface="Arial"/>
+              </a:rPr>
+              <a:t>e</a:t>
+            </a:r>
+            <a:r>
+              <a:rPr sz="2000" spc="-25" dirty="0">
+                <a:latin typeface="Arial"/>
+                <a:cs typeface="Arial"/>
+              </a:rPr>
+              <a:t> </a:t>
+            </a:r>
+            <a:r>
+              <a:rPr sz="2000" spc="-45" dirty="0">
+                <a:latin typeface="Arial"/>
+                <a:cs typeface="Arial"/>
+              </a:rPr>
+              <a:t>l</a:t>
+            </a:r>
+            <a:r>
+              <a:rPr sz="2000" spc="-40" dirty="0">
+                <a:latin typeface="Arial"/>
+                <a:cs typeface="Arial"/>
+              </a:rPr>
+              <a:t>o</a:t>
+            </a:r>
+            <a:r>
+              <a:rPr sz="2000" dirty="0">
+                <a:latin typeface="Arial"/>
+                <a:cs typeface="Arial"/>
+              </a:rPr>
+              <a:t>s</a:t>
+            </a:r>
+            <a:r>
+              <a:rPr sz="2000" spc="-30" dirty="0">
+                <a:latin typeface="Arial"/>
+                <a:cs typeface="Arial"/>
+              </a:rPr>
+              <a:t> </a:t>
+            </a:r>
+            <a:r>
+              <a:rPr sz="2000" spc="-95" dirty="0">
+                <a:latin typeface="Arial"/>
+                <a:cs typeface="Arial"/>
+              </a:rPr>
+              <a:t>m</a:t>
+            </a:r>
+            <a:r>
+              <a:rPr sz="2000" spc="-100" dirty="0">
+                <a:latin typeface="Arial"/>
+                <a:cs typeface="Arial"/>
+              </a:rPr>
+              <a:t>ese</a:t>
+            </a:r>
+            <a:r>
+              <a:rPr sz="2000" dirty="0">
+                <a:latin typeface="Arial"/>
+                <a:cs typeface="Arial"/>
+              </a:rPr>
+              <a:t>s </a:t>
+            </a:r>
+            <a:r>
+              <a:rPr sz="2000" spc="-5" dirty="0">
+                <a:latin typeface="Arial"/>
+                <a:cs typeface="Arial"/>
+              </a:rPr>
+              <a:t>d</a:t>
+            </a:r>
+            <a:r>
+              <a:rPr sz="2000" dirty="0">
+                <a:latin typeface="Arial"/>
+                <a:cs typeface="Arial"/>
+              </a:rPr>
+              <a:t>e</a:t>
+            </a:r>
+            <a:r>
+              <a:rPr sz="2000" spc="-10" dirty="0">
+                <a:latin typeface="Arial"/>
+                <a:cs typeface="Arial"/>
+              </a:rPr>
+              <a:t> </a:t>
+            </a:r>
+            <a:r>
+              <a:rPr lang="es-ES" sz="2000" b="1" spc="-10" dirty="0">
+                <a:latin typeface="Arial"/>
+                <a:cs typeface="Arial"/>
+              </a:rPr>
+              <a:t>Enero a Septiembre de 2024</a:t>
+            </a:r>
+            <a:r>
+              <a:rPr sz="2000" b="1" spc="-75" dirty="0">
+                <a:latin typeface="Arial"/>
+                <a:cs typeface="Arial"/>
+              </a:rPr>
+              <a:t>.</a:t>
+            </a:r>
+            <a:endParaRPr sz="2000" b="1" dirty="0">
+              <a:latin typeface="Arial"/>
+              <a:cs typeface="Arial"/>
+            </a:endParaRPr>
+          </a:p>
+          <a:p>
+            <a:pPr marL="812800" marR="16510" indent="-342900" algn="just">
+              <a:lnSpc>
+                <a:spcPct val="150000"/>
+              </a:lnSpc>
+              <a:buFont typeface="Arial"/>
+              <a:buChar char="•"/>
+              <a:tabLst>
+                <a:tab pos="812800" algn="l"/>
+              </a:tabLst>
+            </a:pPr>
+            <a:r>
+              <a:rPr sz="2000" spc="-114" dirty="0" err="1">
+                <a:latin typeface="Arial"/>
+                <a:cs typeface="Arial"/>
+              </a:rPr>
+              <a:t>C</a:t>
+            </a:r>
+            <a:r>
+              <a:rPr sz="2000" spc="-105" dirty="0" err="1">
+                <a:latin typeface="Arial"/>
+                <a:cs typeface="Arial"/>
+              </a:rPr>
+              <a:t>r</a:t>
+            </a:r>
+            <a:r>
+              <a:rPr sz="2000" spc="-114" dirty="0" err="1">
+                <a:latin typeface="Arial"/>
+                <a:cs typeface="Arial"/>
+              </a:rPr>
+              <a:t>e</a:t>
+            </a:r>
+            <a:r>
+              <a:rPr sz="2000" dirty="0" err="1">
+                <a:latin typeface="Arial"/>
+                <a:cs typeface="Arial"/>
+              </a:rPr>
+              <a:t>a</a:t>
+            </a:r>
+            <a:r>
+              <a:rPr sz="2000" dirty="0">
+                <a:latin typeface="Arial"/>
+                <a:cs typeface="Arial"/>
+              </a:rPr>
+              <a:t> </a:t>
+            </a:r>
+            <a:r>
+              <a:rPr sz="2000" spc="-320" dirty="0">
+                <a:latin typeface="Arial"/>
+                <a:cs typeface="Arial"/>
+              </a:rPr>
+              <a:t> </a:t>
+            </a:r>
+            <a:r>
+              <a:rPr sz="2000" spc="20" dirty="0">
+                <a:latin typeface="Arial"/>
+                <a:cs typeface="Arial"/>
+              </a:rPr>
+              <a:t>u</a:t>
+            </a:r>
+            <a:r>
+              <a:rPr sz="2000" dirty="0">
+                <a:latin typeface="Arial"/>
+                <a:cs typeface="Arial"/>
+              </a:rPr>
+              <a:t>n </a:t>
+            </a:r>
+            <a:r>
+              <a:rPr sz="2000" spc="-200" dirty="0">
+                <a:latin typeface="Arial"/>
+                <a:cs typeface="Arial"/>
+              </a:rPr>
+              <a:t> </a:t>
+            </a:r>
+            <a:r>
+              <a:rPr sz="2000" spc="5" dirty="0">
+                <a:latin typeface="Arial"/>
+                <a:cs typeface="Arial"/>
+              </a:rPr>
+              <a:t>g</a:t>
+            </a:r>
+            <a:r>
+              <a:rPr sz="2000" spc="10" dirty="0">
+                <a:latin typeface="Arial"/>
+                <a:cs typeface="Arial"/>
+              </a:rPr>
+              <a:t>r</a:t>
+            </a:r>
+            <a:r>
+              <a:rPr sz="2000" spc="5" dirty="0">
+                <a:latin typeface="Arial"/>
+                <a:cs typeface="Arial"/>
+              </a:rPr>
+              <a:t>á</a:t>
+            </a:r>
+            <a:r>
+              <a:rPr sz="2000" spc="10" dirty="0">
+                <a:latin typeface="Arial"/>
+                <a:cs typeface="Arial"/>
+              </a:rPr>
+              <a:t>f</a:t>
+            </a:r>
+            <a:r>
+              <a:rPr sz="2000" dirty="0">
+                <a:latin typeface="Arial"/>
+                <a:cs typeface="Arial"/>
+              </a:rPr>
+              <a:t>i</a:t>
+            </a:r>
+            <a:r>
+              <a:rPr sz="2000" spc="20" dirty="0">
+                <a:latin typeface="Arial"/>
+                <a:cs typeface="Arial"/>
+              </a:rPr>
+              <a:t>c</a:t>
+            </a:r>
+            <a:r>
+              <a:rPr sz="2000" dirty="0">
+                <a:latin typeface="Arial"/>
+                <a:cs typeface="Arial"/>
+              </a:rPr>
+              <a:t>o </a:t>
+            </a:r>
+            <a:r>
+              <a:rPr sz="2000" spc="-185" dirty="0">
+                <a:latin typeface="Arial"/>
+                <a:cs typeface="Arial"/>
+              </a:rPr>
+              <a:t> </a:t>
+            </a:r>
+            <a:r>
+              <a:rPr sz="2000" spc="5" dirty="0">
+                <a:latin typeface="Arial"/>
+                <a:cs typeface="Arial"/>
+              </a:rPr>
+              <a:t>qu</a:t>
+            </a:r>
+            <a:r>
+              <a:rPr sz="2000" dirty="0">
+                <a:latin typeface="Arial"/>
+                <a:cs typeface="Arial"/>
+              </a:rPr>
+              <a:t>e </a:t>
+            </a:r>
+            <a:r>
+              <a:rPr sz="2000" spc="-210" dirty="0">
+                <a:latin typeface="Arial"/>
+                <a:cs typeface="Arial"/>
+              </a:rPr>
+              <a:t> </a:t>
+            </a:r>
+            <a:r>
+              <a:rPr sz="2000" spc="-20" dirty="0">
+                <a:latin typeface="Arial"/>
+                <a:cs typeface="Arial"/>
+              </a:rPr>
+              <a:t>m</a:t>
+            </a:r>
+            <a:r>
+              <a:rPr sz="2000" spc="-15" dirty="0">
+                <a:latin typeface="Arial"/>
+                <a:cs typeface="Arial"/>
+              </a:rPr>
+              <a:t>u</a:t>
+            </a:r>
+            <a:r>
+              <a:rPr sz="2000" spc="-30" dirty="0">
+                <a:latin typeface="Arial"/>
+                <a:cs typeface="Arial"/>
+              </a:rPr>
+              <a:t>e</a:t>
+            </a:r>
+            <a:r>
+              <a:rPr sz="2000" spc="-25" dirty="0">
+                <a:latin typeface="Arial"/>
+                <a:cs typeface="Arial"/>
+              </a:rPr>
+              <a:t>s</a:t>
+            </a:r>
+            <a:r>
+              <a:rPr sz="2000" spc="-20" dirty="0">
+                <a:latin typeface="Arial"/>
+                <a:cs typeface="Arial"/>
+              </a:rPr>
+              <a:t>tr</a:t>
+            </a:r>
+            <a:r>
+              <a:rPr sz="2000" dirty="0">
+                <a:latin typeface="Arial"/>
+                <a:cs typeface="Arial"/>
+              </a:rPr>
+              <a:t>e </a:t>
+            </a:r>
+            <a:r>
+              <a:rPr sz="2000" spc="-235" dirty="0">
+                <a:latin typeface="Arial"/>
+                <a:cs typeface="Arial"/>
+              </a:rPr>
+              <a:t> </a:t>
+            </a:r>
+            <a:r>
+              <a:rPr sz="2000" spc="-20" dirty="0">
+                <a:latin typeface="Arial"/>
+                <a:cs typeface="Arial"/>
+              </a:rPr>
+              <a:t>l</a:t>
+            </a:r>
+            <a:r>
+              <a:rPr sz="2000" spc="-15" dirty="0">
+                <a:latin typeface="Arial"/>
+                <a:cs typeface="Arial"/>
+              </a:rPr>
+              <a:t>o</a:t>
+            </a:r>
+            <a:r>
+              <a:rPr sz="2000" dirty="0">
+                <a:latin typeface="Arial"/>
+                <a:cs typeface="Arial"/>
+              </a:rPr>
+              <a:t>s </a:t>
+            </a:r>
+            <a:r>
+              <a:rPr sz="2000" spc="-229" dirty="0">
+                <a:latin typeface="Arial"/>
+                <a:cs typeface="Arial"/>
+              </a:rPr>
+              <a:t> </a:t>
+            </a:r>
+            <a:r>
+              <a:rPr sz="2000" b="1" spc="-15" dirty="0">
+                <a:latin typeface="Arial"/>
+                <a:cs typeface="Arial"/>
+              </a:rPr>
+              <a:t>do</a:t>
+            </a:r>
+            <a:r>
+              <a:rPr sz="2000" b="1" dirty="0">
+                <a:latin typeface="Arial"/>
+                <a:cs typeface="Arial"/>
+              </a:rPr>
+              <a:t>s </a:t>
+            </a:r>
+            <a:r>
+              <a:rPr sz="2000" b="1" spc="-235" dirty="0">
+                <a:latin typeface="Arial"/>
+                <a:cs typeface="Arial"/>
+              </a:rPr>
+              <a:t> </a:t>
+            </a:r>
+            <a:r>
+              <a:rPr sz="2000" b="1" spc="35" dirty="0">
+                <a:latin typeface="Arial"/>
+                <a:cs typeface="Arial"/>
+              </a:rPr>
+              <a:t>t</a:t>
+            </a:r>
+            <a:r>
+              <a:rPr sz="2000" b="1" spc="25" dirty="0">
+                <a:latin typeface="Arial"/>
+                <a:cs typeface="Arial"/>
+              </a:rPr>
+              <a:t>i</a:t>
+            </a:r>
+            <a:r>
+              <a:rPr sz="2000" b="1" spc="30" dirty="0">
+                <a:latin typeface="Arial"/>
+                <a:cs typeface="Arial"/>
+              </a:rPr>
+              <a:t>po</a:t>
+            </a:r>
+            <a:r>
+              <a:rPr sz="2000" b="1" dirty="0">
+                <a:latin typeface="Arial"/>
+                <a:cs typeface="Arial"/>
+              </a:rPr>
+              <a:t>s </a:t>
+            </a:r>
+            <a:r>
+              <a:rPr sz="2000" b="1" spc="-5" dirty="0">
+                <a:latin typeface="Arial"/>
+                <a:cs typeface="Arial"/>
+              </a:rPr>
+              <a:t>d</a:t>
+            </a:r>
+            <a:r>
+              <a:rPr sz="2000" b="1" dirty="0">
+                <a:latin typeface="Arial"/>
+                <a:cs typeface="Arial"/>
+              </a:rPr>
+              <a:t>e</a:t>
+            </a:r>
+            <a:r>
+              <a:rPr sz="2000" b="1" spc="-10" dirty="0">
+                <a:latin typeface="Arial"/>
+                <a:cs typeface="Arial"/>
+              </a:rPr>
+              <a:t> </a:t>
+            </a:r>
+            <a:r>
+              <a:rPr sz="2000" b="1" dirty="0">
+                <a:latin typeface="Arial"/>
+                <a:cs typeface="Arial"/>
+              </a:rPr>
+              <a:t>cambio</a:t>
+            </a:r>
+            <a:r>
+              <a:rPr sz="2000" b="1" spc="45" dirty="0">
+                <a:latin typeface="Arial"/>
+                <a:cs typeface="Arial"/>
+              </a:rPr>
+              <a:t> </a:t>
+            </a:r>
+            <a:r>
+              <a:rPr sz="2000" spc="-40" dirty="0">
+                <a:latin typeface="Arial"/>
+                <a:cs typeface="Arial"/>
+              </a:rPr>
+              <a:t>e</a:t>
+            </a:r>
+            <a:r>
+              <a:rPr sz="2000" dirty="0">
+                <a:latin typeface="Arial"/>
+                <a:cs typeface="Arial"/>
+              </a:rPr>
+              <a:t>n</a:t>
+            </a:r>
+            <a:r>
+              <a:rPr sz="2000" spc="-60" dirty="0">
+                <a:latin typeface="Arial"/>
+                <a:cs typeface="Arial"/>
+              </a:rPr>
+              <a:t> </a:t>
+            </a:r>
+            <a:r>
+              <a:rPr sz="2000" b="1" spc="-40" dirty="0">
+                <a:latin typeface="Arial"/>
+                <a:cs typeface="Arial"/>
+              </a:rPr>
+              <a:t>un</a:t>
+            </a:r>
+            <a:r>
+              <a:rPr sz="2000" b="1" dirty="0">
+                <a:latin typeface="Arial"/>
+                <a:cs typeface="Arial"/>
+              </a:rPr>
+              <a:t>a</a:t>
+            </a:r>
+            <a:r>
+              <a:rPr sz="2000" b="1" spc="-35" dirty="0">
+                <a:latin typeface="Arial"/>
+                <a:cs typeface="Arial"/>
+              </a:rPr>
+              <a:t> </a:t>
+            </a:r>
+            <a:r>
+              <a:rPr sz="2000" b="1" spc="-50" dirty="0">
+                <a:latin typeface="Arial"/>
+                <a:cs typeface="Arial"/>
+              </a:rPr>
+              <a:t>s</a:t>
+            </a:r>
+            <a:r>
+              <a:rPr sz="2000" b="1" spc="-55" dirty="0">
+                <a:latin typeface="Arial"/>
+                <a:cs typeface="Arial"/>
+              </a:rPr>
+              <a:t>ol</a:t>
+            </a:r>
+            <a:r>
+              <a:rPr sz="2000" b="1" dirty="0">
+                <a:latin typeface="Arial"/>
+                <a:cs typeface="Arial"/>
+              </a:rPr>
+              <a:t>a</a:t>
+            </a:r>
+            <a:r>
+              <a:rPr sz="2000" b="1" spc="25" dirty="0">
+                <a:latin typeface="Arial"/>
+                <a:cs typeface="Arial"/>
+              </a:rPr>
+              <a:t> </a:t>
+            </a:r>
+            <a:r>
+              <a:rPr sz="2000" b="1" spc="-40" dirty="0">
+                <a:latin typeface="Arial"/>
+                <a:cs typeface="Arial"/>
+              </a:rPr>
+              <a:t>g</a:t>
+            </a:r>
+            <a:r>
+              <a:rPr sz="2000" b="1" spc="-35" dirty="0">
+                <a:latin typeface="Arial"/>
+                <a:cs typeface="Arial"/>
+              </a:rPr>
+              <a:t>r</a:t>
+            </a:r>
+            <a:r>
+              <a:rPr sz="2000" b="1" spc="-40" dirty="0">
+                <a:latin typeface="Arial"/>
+                <a:cs typeface="Arial"/>
+              </a:rPr>
+              <a:t>á</a:t>
+            </a:r>
+            <a:r>
+              <a:rPr sz="2000" b="1" spc="-35" dirty="0">
+                <a:latin typeface="Arial"/>
+                <a:cs typeface="Arial"/>
+              </a:rPr>
+              <a:t>f</a:t>
+            </a:r>
+            <a:r>
+              <a:rPr sz="2000" b="1" spc="-45" dirty="0">
+                <a:latin typeface="Arial"/>
+                <a:cs typeface="Arial"/>
+              </a:rPr>
+              <a:t>i</a:t>
+            </a:r>
+            <a:r>
+              <a:rPr sz="2000" b="1" spc="-40" dirty="0">
+                <a:latin typeface="Arial"/>
+                <a:cs typeface="Arial"/>
+              </a:rPr>
+              <a:t>ca</a:t>
+            </a:r>
+            <a:r>
+              <a:rPr sz="2000" dirty="0">
+                <a:latin typeface="Arial"/>
+                <a:cs typeface="Arial"/>
+              </a:rPr>
+              <a:t>.</a:t>
+            </a:r>
+          </a:p>
+          <a:p>
+            <a:pPr marL="812800" marR="5080" indent="-342900" algn="just">
+              <a:lnSpc>
+                <a:spcPct val="150000"/>
+              </a:lnSpc>
+              <a:buFont typeface="Arial"/>
+              <a:buChar char="•"/>
+              <a:tabLst>
+                <a:tab pos="812800" algn="l"/>
+              </a:tabLst>
+            </a:pPr>
+            <a:r>
+              <a:rPr sz="2000" spc="-114" dirty="0" err="1">
+                <a:latin typeface="Arial"/>
+                <a:cs typeface="Arial"/>
+              </a:rPr>
+              <a:t>C</a:t>
+            </a:r>
+            <a:r>
+              <a:rPr sz="2000" spc="-105" dirty="0" err="1">
+                <a:latin typeface="Arial"/>
+                <a:cs typeface="Arial"/>
+              </a:rPr>
+              <a:t>r</a:t>
+            </a:r>
+            <a:r>
+              <a:rPr sz="2000" spc="-114" dirty="0" err="1">
+                <a:latin typeface="Arial"/>
+                <a:cs typeface="Arial"/>
+              </a:rPr>
+              <a:t>e</a:t>
+            </a:r>
+            <a:r>
+              <a:rPr sz="2000" dirty="0" err="1">
+                <a:latin typeface="Arial"/>
+                <a:cs typeface="Arial"/>
+              </a:rPr>
+              <a:t>a</a:t>
+            </a:r>
+            <a:r>
+              <a:rPr sz="2000" dirty="0">
+                <a:latin typeface="Arial"/>
+                <a:cs typeface="Arial"/>
+              </a:rPr>
+              <a:t> </a:t>
+            </a:r>
+            <a:r>
+              <a:rPr sz="2000" spc="65" dirty="0" err="1">
+                <a:latin typeface="Arial"/>
+                <a:cs typeface="Arial"/>
+              </a:rPr>
+              <a:t>o</a:t>
+            </a:r>
+            <a:r>
+              <a:rPr sz="2000" spc="60" dirty="0" err="1">
+                <a:latin typeface="Arial"/>
+                <a:cs typeface="Arial"/>
+              </a:rPr>
+              <a:t>t</a:t>
+            </a:r>
+            <a:r>
+              <a:rPr sz="2000" spc="70" dirty="0" err="1">
+                <a:latin typeface="Arial"/>
+                <a:cs typeface="Arial"/>
+              </a:rPr>
+              <a:t>r</a:t>
+            </a:r>
+            <a:r>
+              <a:rPr sz="2000" dirty="0" err="1">
+                <a:latin typeface="Arial"/>
+                <a:cs typeface="Arial"/>
+              </a:rPr>
+              <a:t>o</a:t>
+            </a:r>
+            <a:r>
+              <a:rPr sz="2000" spc="290" dirty="0">
+                <a:latin typeface="Arial"/>
+                <a:cs typeface="Arial"/>
+              </a:rPr>
+              <a:t> </a:t>
+            </a:r>
+            <a:r>
+              <a:rPr sz="2000" spc="5" dirty="0" err="1">
+                <a:latin typeface="Arial"/>
+                <a:cs typeface="Arial"/>
+              </a:rPr>
+              <a:t>g</a:t>
+            </a:r>
+            <a:r>
+              <a:rPr sz="2000" spc="10" dirty="0" err="1">
+                <a:latin typeface="Arial"/>
+                <a:cs typeface="Arial"/>
+              </a:rPr>
+              <a:t>r</a:t>
+            </a:r>
+            <a:r>
+              <a:rPr sz="2000" spc="5" dirty="0" err="1">
+                <a:latin typeface="Arial"/>
+                <a:cs typeface="Arial"/>
+              </a:rPr>
+              <a:t>á</a:t>
+            </a:r>
+            <a:r>
+              <a:rPr sz="2000" spc="10" dirty="0" err="1">
+                <a:latin typeface="Arial"/>
+                <a:cs typeface="Arial"/>
+              </a:rPr>
+              <a:t>f</a:t>
+            </a:r>
+            <a:r>
+              <a:rPr sz="2000" dirty="0" err="1">
+                <a:latin typeface="Arial"/>
+                <a:cs typeface="Arial"/>
+              </a:rPr>
+              <a:t>i</a:t>
+            </a:r>
+            <a:r>
+              <a:rPr sz="2000" spc="20" dirty="0" err="1">
+                <a:latin typeface="Arial"/>
+                <a:cs typeface="Arial"/>
+              </a:rPr>
+              <a:t>c</a:t>
+            </a:r>
+            <a:r>
+              <a:rPr sz="2000" dirty="0" err="1">
+                <a:latin typeface="Arial"/>
+                <a:cs typeface="Arial"/>
+              </a:rPr>
+              <a:t>o</a:t>
+            </a:r>
+            <a:r>
+              <a:rPr lang="es-MX" sz="2000" spc="245" dirty="0">
+                <a:latin typeface="Arial"/>
+                <a:cs typeface="Arial"/>
+              </a:rPr>
+              <a:t> </a:t>
+            </a:r>
+            <a:r>
+              <a:rPr sz="2000" spc="5" dirty="0">
+                <a:latin typeface="Arial"/>
+                <a:cs typeface="Arial"/>
+              </a:rPr>
+              <a:t>q</a:t>
+            </a:r>
+            <a:r>
+              <a:rPr sz="2000" dirty="0">
+                <a:latin typeface="Arial"/>
+                <a:cs typeface="Arial"/>
+              </a:rPr>
+              <a:t>ue </a:t>
+            </a:r>
+            <a:r>
+              <a:rPr sz="2000" spc="-10" dirty="0" err="1">
+                <a:latin typeface="Arial"/>
+                <a:cs typeface="Arial"/>
+              </a:rPr>
+              <a:t>m</a:t>
+            </a:r>
+            <a:r>
+              <a:rPr sz="2000" spc="-15" dirty="0" err="1">
+                <a:latin typeface="Arial"/>
+                <a:cs typeface="Arial"/>
+              </a:rPr>
+              <a:t>u</a:t>
+            </a:r>
+            <a:r>
+              <a:rPr sz="2000" spc="-30" dirty="0" err="1">
+                <a:latin typeface="Arial"/>
+                <a:cs typeface="Arial"/>
+              </a:rPr>
+              <a:t>e</a:t>
+            </a:r>
+            <a:r>
+              <a:rPr sz="2000" spc="-25" dirty="0" err="1">
+                <a:latin typeface="Arial"/>
+                <a:cs typeface="Arial"/>
+              </a:rPr>
+              <a:t>s</a:t>
+            </a:r>
+            <a:r>
+              <a:rPr sz="2000" spc="-20" dirty="0" err="1">
+                <a:latin typeface="Arial"/>
+                <a:cs typeface="Arial"/>
+              </a:rPr>
+              <a:t>tr</a:t>
+            </a:r>
+            <a:r>
+              <a:rPr sz="2000" dirty="0" err="1">
+                <a:latin typeface="Arial"/>
+                <a:cs typeface="Arial"/>
+              </a:rPr>
+              <a:t>e</a:t>
+            </a:r>
+            <a:r>
+              <a:rPr sz="2000" dirty="0">
+                <a:latin typeface="Arial"/>
+                <a:cs typeface="Arial"/>
+              </a:rPr>
+              <a:t> </a:t>
+            </a:r>
+            <a:r>
+              <a:rPr sz="2000" b="1" spc="-15" dirty="0">
+                <a:latin typeface="Arial"/>
+                <a:cs typeface="Arial"/>
+              </a:rPr>
+              <a:t>d</a:t>
+            </a:r>
+            <a:r>
+              <a:rPr sz="2000" b="1" dirty="0">
+                <a:latin typeface="Arial"/>
+                <a:cs typeface="Arial"/>
+              </a:rPr>
+              <a:t>os </a:t>
+            </a:r>
+            <a:r>
+              <a:rPr sz="2000" b="1" spc="-50" dirty="0">
+                <a:latin typeface="Arial"/>
+                <a:cs typeface="Arial"/>
+              </a:rPr>
+              <a:t>s</a:t>
+            </a:r>
+            <a:r>
+              <a:rPr sz="2000" b="1" spc="-40" dirty="0">
+                <a:latin typeface="Arial"/>
+                <a:cs typeface="Arial"/>
+              </a:rPr>
+              <a:t>u</a:t>
+            </a:r>
+            <a:r>
+              <a:rPr sz="2000" b="1" spc="-55" dirty="0">
+                <a:latin typeface="Arial"/>
+                <a:cs typeface="Arial"/>
+              </a:rPr>
+              <a:t>bg</a:t>
+            </a:r>
+            <a:r>
+              <a:rPr sz="2000" b="1" spc="-35" dirty="0">
+                <a:latin typeface="Arial"/>
+                <a:cs typeface="Arial"/>
+              </a:rPr>
+              <a:t>r</a:t>
+            </a:r>
+            <a:r>
+              <a:rPr sz="2000" b="1" spc="-55" dirty="0">
+                <a:latin typeface="Arial"/>
+                <a:cs typeface="Arial"/>
+              </a:rPr>
+              <a:t>á</a:t>
+            </a:r>
+            <a:r>
+              <a:rPr sz="2000" b="1" spc="-45" dirty="0">
+                <a:latin typeface="Arial"/>
+                <a:cs typeface="Arial"/>
+              </a:rPr>
+              <a:t>fi</a:t>
+            </a:r>
+            <a:r>
+              <a:rPr sz="2000" b="1" spc="-50" dirty="0">
+                <a:latin typeface="Arial"/>
+                <a:cs typeface="Arial"/>
+              </a:rPr>
+              <a:t>c</a:t>
+            </a:r>
+            <a:r>
+              <a:rPr sz="2000" b="1" spc="-40" dirty="0">
+                <a:latin typeface="Arial"/>
+                <a:cs typeface="Arial"/>
+              </a:rPr>
+              <a:t>as</a:t>
+            </a:r>
+            <a:r>
+              <a:rPr sz="2000" dirty="0">
+                <a:latin typeface="Arial"/>
+                <a:cs typeface="Arial"/>
+              </a:rPr>
+              <a:t>,</a:t>
+            </a:r>
+            <a:r>
+              <a:rPr sz="2000" spc="165" dirty="0">
+                <a:latin typeface="Arial"/>
+                <a:cs typeface="Arial"/>
+              </a:rPr>
+              <a:t> </a:t>
+            </a:r>
+            <a:r>
+              <a:rPr sz="2000" spc="-25" dirty="0">
+                <a:latin typeface="Arial"/>
+                <a:cs typeface="Arial"/>
+              </a:rPr>
+              <a:t>un</a:t>
+            </a:r>
+            <a:r>
+              <a:rPr sz="2000" dirty="0">
+                <a:latin typeface="Arial"/>
+                <a:cs typeface="Arial"/>
+              </a:rPr>
+              <a:t>a</a:t>
+            </a:r>
+            <a:r>
+              <a:rPr sz="2000" spc="175" dirty="0">
+                <a:latin typeface="Arial"/>
+                <a:cs typeface="Arial"/>
+              </a:rPr>
+              <a:t> </a:t>
+            </a:r>
+            <a:r>
+              <a:rPr sz="2000" spc="5" dirty="0">
+                <a:latin typeface="Arial"/>
+                <a:cs typeface="Arial"/>
+              </a:rPr>
+              <a:t>q</a:t>
+            </a:r>
+            <a:r>
+              <a:rPr sz="2000" dirty="0">
+                <a:latin typeface="Arial"/>
+                <a:cs typeface="Arial"/>
+              </a:rPr>
+              <a:t>ue</a:t>
+            </a:r>
+            <a:r>
+              <a:rPr sz="2000" spc="215" dirty="0">
+                <a:latin typeface="Arial"/>
+                <a:cs typeface="Arial"/>
+              </a:rPr>
+              <a:t> </a:t>
+            </a:r>
+            <a:r>
+              <a:rPr sz="2000" spc="-15" dirty="0">
+                <a:latin typeface="Arial"/>
+                <a:cs typeface="Arial"/>
+              </a:rPr>
+              <a:t>co</a:t>
+            </a:r>
+            <a:r>
+              <a:rPr sz="2000" dirty="0">
+                <a:latin typeface="Arial"/>
+                <a:cs typeface="Arial"/>
+              </a:rPr>
+              <a:t>r</a:t>
+            </a:r>
+            <a:r>
+              <a:rPr sz="2000" spc="-15" dirty="0">
+                <a:latin typeface="Arial"/>
+                <a:cs typeface="Arial"/>
+              </a:rPr>
+              <a:t>re</a:t>
+            </a:r>
+            <a:r>
+              <a:rPr sz="2000" dirty="0">
+                <a:latin typeface="Arial"/>
+                <a:cs typeface="Arial"/>
+              </a:rPr>
+              <a:t>s</a:t>
+            </a:r>
+            <a:r>
+              <a:rPr sz="2000" spc="-15" dirty="0">
+                <a:latin typeface="Arial"/>
+                <a:cs typeface="Arial"/>
+              </a:rPr>
+              <a:t>p</a:t>
+            </a:r>
+            <a:r>
+              <a:rPr sz="2000" dirty="0">
+                <a:latin typeface="Arial"/>
+                <a:cs typeface="Arial"/>
+              </a:rPr>
+              <a:t>on</a:t>
+            </a:r>
+            <a:r>
+              <a:rPr sz="2000" spc="-10" dirty="0">
+                <a:latin typeface="Arial"/>
+                <a:cs typeface="Arial"/>
+              </a:rPr>
+              <a:t>d</a:t>
+            </a:r>
+            <a:r>
+              <a:rPr sz="2000" dirty="0">
+                <a:latin typeface="Arial"/>
+                <a:cs typeface="Arial"/>
+              </a:rPr>
+              <a:t>a</a:t>
+            </a:r>
+            <a:r>
+              <a:rPr sz="2000" spc="195" dirty="0">
+                <a:latin typeface="Arial"/>
+                <a:cs typeface="Arial"/>
+              </a:rPr>
+              <a:t> </a:t>
+            </a:r>
+            <a:r>
+              <a:rPr sz="2000" spc="-30" dirty="0">
+                <a:latin typeface="Arial"/>
+                <a:cs typeface="Arial"/>
+              </a:rPr>
+              <a:t>a</a:t>
+            </a:r>
+            <a:r>
+              <a:rPr sz="2000" dirty="0">
+                <a:latin typeface="Arial"/>
+                <a:cs typeface="Arial"/>
+              </a:rPr>
+              <a:t>l</a:t>
+            </a:r>
+            <a:r>
+              <a:rPr sz="2000" spc="165" dirty="0">
+                <a:latin typeface="Arial"/>
+                <a:cs typeface="Arial"/>
+              </a:rPr>
+              <a:t> </a:t>
+            </a:r>
+            <a:r>
+              <a:rPr sz="2000" b="1" spc="15" dirty="0">
+                <a:latin typeface="Arial"/>
+                <a:cs typeface="Arial"/>
+              </a:rPr>
+              <a:t>dóla</a:t>
+            </a:r>
+            <a:r>
+              <a:rPr sz="2000" b="1" dirty="0">
+                <a:latin typeface="Arial"/>
+                <a:cs typeface="Arial"/>
+              </a:rPr>
+              <a:t>r</a:t>
+            </a:r>
+            <a:r>
+              <a:rPr sz="2000" spc="245" dirty="0">
+                <a:latin typeface="Arial"/>
+                <a:cs typeface="Arial"/>
+              </a:rPr>
+              <a:t> </a:t>
+            </a:r>
+            <a:r>
+              <a:rPr sz="2000" dirty="0">
+                <a:latin typeface="Arial"/>
+                <a:cs typeface="Arial"/>
+              </a:rPr>
+              <a:t>y </a:t>
+            </a:r>
+            <a:r>
+              <a:rPr sz="2000" spc="25" dirty="0">
+                <a:latin typeface="Arial"/>
+                <a:cs typeface="Arial"/>
+              </a:rPr>
+              <a:t>o</a:t>
+            </a:r>
+            <a:r>
+              <a:rPr sz="2000" spc="35" dirty="0">
+                <a:latin typeface="Arial"/>
+                <a:cs typeface="Arial"/>
+              </a:rPr>
+              <a:t>tr</a:t>
+            </a:r>
+            <a:r>
+              <a:rPr sz="2000" dirty="0">
+                <a:latin typeface="Arial"/>
+                <a:cs typeface="Arial"/>
+              </a:rPr>
+              <a:t>a</a:t>
+            </a:r>
+            <a:r>
+              <a:rPr sz="2000" spc="30" dirty="0">
+                <a:latin typeface="Arial"/>
+                <a:cs typeface="Arial"/>
+              </a:rPr>
+              <a:t> </a:t>
+            </a:r>
+            <a:r>
+              <a:rPr sz="2000" spc="-40" dirty="0">
+                <a:latin typeface="Arial"/>
+                <a:cs typeface="Arial"/>
+              </a:rPr>
+              <a:t>a</a:t>
+            </a:r>
+            <a:r>
+              <a:rPr sz="2000" dirty="0">
+                <a:latin typeface="Arial"/>
+                <a:cs typeface="Arial"/>
+              </a:rPr>
+              <a:t>l</a:t>
+            </a:r>
+            <a:r>
+              <a:rPr sz="2000" spc="-50" dirty="0">
+                <a:latin typeface="Arial"/>
+                <a:cs typeface="Arial"/>
+              </a:rPr>
+              <a:t> </a:t>
+            </a:r>
+            <a:r>
+              <a:rPr sz="2000" b="1" spc="-45" dirty="0">
+                <a:latin typeface="Arial"/>
+                <a:cs typeface="Arial"/>
+              </a:rPr>
+              <a:t>eu</a:t>
+            </a:r>
+            <a:r>
+              <a:rPr sz="2000" b="1" spc="-35" dirty="0">
+                <a:latin typeface="Arial"/>
+                <a:cs typeface="Arial"/>
+              </a:rPr>
+              <a:t>r</a:t>
+            </a:r>
+            <a:r>
+              <a:rPr sz="2000" b="1" spc="-40" dirty="0">
+                <a:latin typeface="Arial"/>
+                <a:cs typeface="Arial"/>
+              </a:rPr>
+              <a:t>o</a:t>
+            </a:r>
+            <a:r>
+              <a:rPr sz="2000" dirty="0">
+                <a:latin typeface="Arial"/>
+                <a:cs typeface="Arial"/>
+              </a:rPr>
+              <a:t>.</a:t>
+            </a:r>
+          </a:p>
+        </p:txBody>
+      </p:sp>
+      <p:sp>
+        <p:nvSpPr>
+          <p:cNvPr id="7" name="CuadroTexto 6">
+            <a:extLst>
+              <a:ext uri="{FF2B5EF4-FFF2-40B4-BE49-F238E27FC236}">
+                <a16:creationId xmlns:a16="http://schemas.microsoft.com/office/drawing/2014/main" id="{5BA0B139-C7E4-4F1F-A25F-814A0026FAA6}"/>
+              </a:ext>
+            </a:extLst>
+          </p:cNvPr>
+          <p:cNvSpPr txBox="1"/>
+          <p:nvPr/>
+        </p:nvSpPr>
+        <p:spPr>
+          <a:xfrm>
+            <a:off x="990600" y="3880510"/>
+            <a:ext cx="11201400" cy="1107996"/>
+          </a:xfrm>
+          <a:prstGeom prst="rect">
+            <a:avLst/>
+          </a:prstGeom>
+          <a:noFill/>
+        </p:spPr>
+        <p:txBody>
+          <a:bodyPr wrap="square">
+            <a:spAutoFit/>
+          </a:bodyPr>
+          <a:lstStyle/>
+          <a:p>
+            <a:r>
+              <a:rPr lang="es-MX" sz="2200" dirty="0"/>
+              <a:t>meses = ["Enero", "Febrero", "Marzo", "Abril", "Mayo", "Junio", "Julio", "Agosto", "Septiembre"]</a:t>
+            </a:r>
+          </a:p>
+          <a:p>
+            <a:r>
+              <a:rPr lang="es-MX" sz="2200" dirty="0" err="1"/>
+              <a:t>dolar</a:t>
+            </a:r>
+            <a:r>
+              <a:rPr lang="es-MX" sz="2200" dirty="0"/>
+              <a:t> = [16.90, 17.04, 16.72, 16.71, 16.68, 18.46, 17.73, 18.65, 19.16]</a:t>
+            </a:r>
+          </a:p>
+          <a:p>
+            <a:r>
+              <a:rPr lang="es-MX" sz="2200" dirty="0"/>
+              <a:t>euro =  [18.50, 18.36, 18.20, 17.75, 18.17, 19.76, 19.32, 20.46, 21.25]</a:t>
+            </a:r>
+          </a:p>
+        </p:txBody>
+      </p:sp>
     </p:spTree>
   </p:cSld>
   <p:clrMapOvr>
@@ -11510,18 +12354,39 @@
         </p:nvSpPr>
         <p:spPr>
           <a:xfrm>
-            <a:off x="5359908" y="6316978"/>
-            <a:ext cx="1690115" cy="446530"/>
+            <a:off x="984503" y="0"/>
+            <a:ext cx="1061085" cy="2778760"/>
           </a:xfrm>
-          <a:prstGeom prst="rect">
+          <a:custGeom>
             <a:avLst/>
-          </a:prstGeom>
-          <a:blipFill>
-            <a:blip r:embed="rId3" cstate="print"/>
-            <a:stretch>
-              <a:fillRect/>
-            </a:stretch>
-          </a:blipFill>
+            <a:gdLst/>
+            <a:ahLst/>
+            <a:cxnLst/>
+            <a:rect l="l" t="t" r="r" b="b"/>
+            <a:pathLst>
+              <a:path w="1061085" h="2778760">
+                <a:moveTo>
+                  <a:pt x="1061068" y="0"/>
+                </a:moveTo>
+                <a:lnTo>
+                  <a:pt x="680578" y="0"/>
+                </a:lnTo>
+                <a:lnTo>
+                  <a:pt x="0" y="2687828"/>
+                </a:lnTo>
+                <a:lnTo>
+                  <a:pt x="356743" y="2778252"/>
+                </a:lnTo>
+                <a:lnTo>
+                  <a:pt x="1061068" y="0"/>
+                </a:lnTo>
+                <a:close/>
+              </a:path>
+            </a:pathLst>
+          </a:custGeom>
+          <a:solidFill>
+            <a:srgbClr val="2FACEB"/>
+          </a:solidFill>
         </p:spPr>
         <p:txBody>
           <a:bodyPr wrap="square" lIns="0" tIns="0" rIns="0" bIns="0" rtlCol="0"/>
@@ -11534,1407 +12399,339 @@
       <p:sp>
         <p:nvSpPr>
           <p:cNvPr id="3" name="object 3"/>
-          <p:cNvSpPr txBox="1">
-            <a:spLocks noGrp="1"/>
-          </p:cNvSpPr>
-          <p:nvPr>
-            <p:ph type="title"/>
-          </p:nvPr>
+          <p:cNvSpPr/>
+          <p:nvPr/>
         </p:nvSpPr>
         <p:spPr>
           <a:xfrm>
-            <a:off x="393572" y="140723"/>
-            <a:ext cx="11404854" cy="965304"/>
+            <a:off x="545591" y="0"/>
+            <a:ext cx="1033780" cy="2668905"/>
+          </a:xfrm>
+          <a:custGeom>
+            <a:avLst/>
+            <a:gdLst/>
+            <a:ahLst/>
+            <a:cxnLst/>
+            <a:rect l="l" t="t" r="r" b="b"/>
+            <a:pathLst>
+              <a:path w="1033780" h="2668905">
+                <a:moveTo>
+                  <a:pt x="1033636" y="0"/>
+                </a:moveTo>
+                <a:lnTo>
+                  <a:pt x="651142" y="0"/>
+                </a:lnTo>
+                <a:lnTo>
+                  <a:pt x="0" y="2578100"/>
+                </a:lnTo>
+                <a:lnTo>
+                  <a:pt x="347573" y="2663825"/>
+                </a:lnTo>
+                <a:lnTo>
+                  <a:pt x="357098" y="2668524"/>
+                </a:lnTo>
+                <a:lnTo>
+                  <a:pt x="1033636" y="0"/>
+                </a:lnTo>
+                <a:close/>
+              </a:path>
+            </a:pathLst>
+          </a:custGeom>
+          <a:solidFill>
+            <a:srgbClr val="585858"/>
+          </a:solidFill>
+        </p:spPr>
+        <p:txBody>
+          <a:bodyPr wrap="square" lIns="0" tIns="0" rIns="0" bIns="0" rtlCol="0"/>
+          <a:lstStyle/>
+          <a:p>
+            <a:endParaRPr/>
+          </a:p>
+        </p:txBody>
+      </p:sp>
+      <p:sp>
+        <p:nvSpPr>
+          <p:cNvPr id="4" name="object 4"/>
+          <p:cNvSpPr/>
+          <p:nvPr/>
+        </p:nvSpPr>
+        <p:spPr>
+          <a:xfrm>
+            <a:off x="545591" y="2583179"/>
+            <a:ext cx="2693035" cy="4274820"/>
+          </a:xfrm>
+          <a:custGeom>
+            <a:avLst/>
+            <a:gdLst/>
+            <a:ahLst/>
+            <a:cxnLst/>
+            <a:rect l="l" t="t" r="r" b="b"/>
+            <a:pathLst>
+              <a:path w="2693035" h="4274820">
+                <a:moveTo>
+                  <a:pt x="0" y="0"/>
+                </a:moveTo>
+                <a:lnTo>
+                  <a:pt x="2573909" y="4274820"/>
+                </a:lnTo>
+                <a:lnTo>
+                  <a:pt x="2692908" y="4274820"/>
+                </a:lnTo>
+                <a:lnTo>
+                  <a:pt x="0" y="0"/>
+                </a:lnTo>
+                <a:close/>
+              </a:path>
+            </a:pathLst>
+          </a:custGeom>
+          <a:solidFill>
+            <a:srgbClr val="252525"/>
+          </a:solidFill>
+        </p:spPr>
+        <p:txBody>
+          <a:bodyPr wrap="square" lIns="0" tIns="0" rIns="0" bIns="0" rtlCol="0"/>
+          <a:lstStyle/>
+          <a:p>
+            <a:endParaRPr/>
+          </a:p>
+        </p:txBody>
+      </p:sp>
+      <p:sp>
+        <p:nvSpPr>
+          <p:cNvPr id="5" name="object 5"/>
+          <p:cNvSpPr/>
+          <p:nvPr/>
+        </p:nvSpPr>
+        <p:spPr>
+          <a:xfrm>
+            <a:off x="989075" y="2692907"/>
+            <a:ext cx="3331845" cy="4165600"/>
+          </a:xfrm>
+          <a:custGeom>
+            <a:avLst/>
+            <a:gdLst/>
+            <a:ahLst/>
+            <a:cxnLst/>
+            <a:rect l="l" t="t" r="r" b="b"/>
+            <a:pathLst>
+              <a:path w="3331845" h="4165600">
+                <a:moveTo>
+                  <a:pt x="0" y="0"/>
+                </a:moveTo>
+                <a:lnTo>
+                  <a:pt x="3207639" y="4165091"/>
+                </a:lnTo>
+                <a:lnTo>
+                  <a:pt x="3331464" y="4165091"/>
+                </a:lnTo>
+                <a:lnTo>
+                  <a:pt x="0" y="0"/>
+                </a:lnTo>
+                <a:close/>
+              </a:path>
+            </a:pathLst>
+          </a:custGeom>
+          <a:solidFill>
+            <a:srgbClr val="0C5A82"/>
+          </a:solidFill>
+        </p:spPr>
+        <p:txBody>
+          <a:bodyPr wrap="square" lIns="0" tIns="0" rIns="0" bIns="0" rtlCol="0"/>
+          <a:lstStyle/>
+          <a:p>
+            <a:endParaRPr/>
+          </a:p>
+        </p:txBody>
+      </p:sp>
+      <p:sp>
+        <p:nvSpPr>
+          <p:cNvPr id="6" name="object 6"/>
+          <p:cNvSpPr/>
+          <p:nvPr/>
+        </p:nvSpPr>
+        <p:spPr>
+          <a:xfrm>
+            <a:off x="984503" y="2688335"/>
+            <a:ext cx="4575175" cy="4170045"/>
+          </a:xfrm>
+          <a:custGeom>
+            <a:avLst/>
+            <a:gdLst/>
+            <a:ahLst/>
+            <a:cxnLst/>
+            <a:rect l="l" t="t" r="r" b="b"/>
+            <a:pathLst>
+              <a:path w="4575175" h="4170045">
+                <a:moveTo>
+                  <a:pt x="0" y="0"/>
+                </a:moveTo>
+                <a:lnTo>
+                  <a:pt x="4762" y="4699"/>
+                </a:lnTo>
+                <a:lnTo>
+                  <a:pt x="3335655" y="4169664"/>
+                </a:lnTo>
+                <a:lnTo>
+                  <a:pt x="4575048" y="4169664"/>
+                </a:lnTo>
+                <a:lnTo>
+                  <a:pt x="356997" y="90424"/>
+                </a:lnTo>
+                <a:lnTo>
+                  <a:pt x="0" y="0"/>
+                </a:lnTo>
+                <a:close/>
+              </a:path>
+            </a:pathLst>
+          </a:custGeom>
+          <a:solidFill>
+            <a:srgbClr val="1286C3"/>
+          </a:solidFill>
+        </p:spPr>
+        <p:txBody>
+          <a:bodyPr wrap="square" lIns="0" tIns="0" rIns="0" bIns="0" rtlCol="0"/>
+          <a:lstStyle/>
+          <a:p>
+            <a:endParaRPr/>
+          </a:p>
+        </p:txBody>
+      </p:sp>
+      <p:sp>
+        <p:nvSpPr>
+          <p:cNvPr id="7" name="object 7"/>
+          <p:cNvSpPr/>
+          <p:nvPr/>
+        </p:nvSpPr>
+        <p:spPr>
+          <a:xfrm>
+            <a:off x="545591" y="2578607"/>
+            <a:ext cx="3584575" cy="4279900"/>
+          </a:xfrm>
+          <a:custGeom>
+            <a:avLst/>
+            <a:gdLst/>
+            <a:ahLst/>
+            <a:cxnLst/>
+            <a:rect l="l" t="t" r="r" b="b"/>
+            <a:pathLst>
+              <a:path w="3584575" h="4279900">
+                <a:moveTo>
+                  <a:pt x="0" y="0"/>
+                </a:moveTo>
+                <a:lnTo>
+                  <a:pt x="0" y="4699"/>
+                </a:lnTo>
+                <a:lnTo>
+                  <a:pt x="2693924" y="4279391"/>
+                </a:lnTo>
+                <a:lnTo>
+                  <a:pt x="3584448" y="4279391"/>
+                </a:lnTo>
+                <a:lnTo>
+                  <a:pt x="419087" y="176149"/>
+                </a:lnTo>
+                <a:lnTo>
+                  <a:pt x="361937" y="95250"/>
+                </a:lnTo>
+                <a:lnTo>
+                  <a:pt x="357174" y="90424"/>
+                </a:lnTo>
+                <a:lnTo>
+                  <a:pt x="0" y="0"/>
+                </a:lnTo>
+                <a:close/>
+              </a:path>
+            </a:pathLst>
+          </a:custGeom>
+          <a:solidFill>
+            <a:srgbClr val="404040"/>
+          </a:solidFill>
+        </p:spPr>
+        <p:txBody>
+          <a:bodyPr wrap="square" lIns="0" tIns="0" rIns="0" bIns="0" rtlCol="0"/>
+          <a:lstStyle/>
+          <a:p>
+            <a:endParaRPr/>
+          </a:p>
+        </p:txBody>
+      </p:sp>
+      <p:sp>
+        <p:nvSpPr>
+          <p:cNvPr id="8" name="object 8"/>
+          <p:cNvSpPr/>
+          <p:nvPr/>
+        </p:nvSpPr>
+        <p:spPr>
+          <a:xfrm>
+            <a:off x="2370582" y="2985897"/>
+            <a:ext cx="4462780" cy="0"/>
+          </a:xfrm>
+          <a:custGeom>
+            <a:avLst/>
+            <a:gdLst/>
+            <a:ahLst/>
+            <a:cxnLst/>
+            <a:rect l="l" t="t" r="r" b="b"/>
+            <a:pathLst>
+              <a:path w="4462780">
+                <a:moveTo>
+                  <a:pt x="0" y="0"/>
+                </a:moveTo>
+                <a:lnTo>
+                  <a:pt x="4462272" y="0"/>
+                </a:lnTo>
+              </a:path>
+            </a:pathLst>
+          </a:custGeom>
+          <a:ln w="25654">
+            <a:solidFill>
+              <a:srgbClr val="2F85EC"/>
+            </a:solidFill>
+          </a:ln>
+        </p:spPr>
+        <p:txBody>
+          <a:bodyPr wrap="square" lIns="0" tIns="0" rIns="0" bIns="0" rtlCol="0"/>
+          <a:lstStyle/>
+          <a:p>
+            <a:endParaRPr/>
+          </a:p>
+        </p:txBody>
+      </p:sp>
+      <p:sp>
+        <p:nvSpPr>
+          <p:cNvPr id="9" name="object 9"/>
+          <p:cNvSpPr txBox="1"/>
+          <p:nvPr/>
+        </p:nvSpPr>
+        <p:spPr>
+          <a:xfrm>
+            <a:off x="2358008" y="2157596"/>
+            <a:ext cx="4798060" cy="529056"/>
           </a:xfrm>
           <a:prstGeom prst="rect">
             <a:avLst/>
           </a:prstGeom>
         </p:spPr>
         <p:txBody>
-          <a:bodyPr vert="horz" wrap="square" lIns="0" tIns="346368" rIns="0" bIns="0" rtlCol="0">
-            <a:spAutoFit/>
-          </a:bodyPr>
-          <a:lstStyle/>
-          <a:p>
-            <a:pPr marL="4706620">
-              <a:lnSpc>
-                <a:spcPct val="100000"/>
-              </a:lnSpc>
-            </a:pPr>
-            <a:r>
-              <a:rPr b="1" spc="155" dirty="0"/>
-              <a:t>Ej</a:t>
-            </a:r>
-            <a:r>
-              <a:rPr b="1" spc="160" dirty="0"/>
-              <a:t>erc</a:t>
-            </a:r>
-            <a:r>
-              <a:rPr b="1" spc="155" dirty="0"/>
-              <a:t>i</a:t>
-            </a:r>
-            <a:r>
-              <a:rPr b="1" spc="160" dirty="0"/>
-              <a:t>c</a:t>
-            </a:r>
-            <a:r>
-              <a:rPr b="1" spc="155" dirty="0"/>
-              <a:t>i</a:t>
-            </a:r>
-            <a:r>
-              <a:rPr b="1" spc="-25" dirty="0"/>
-              <a:t>o</a:t>
-            </a:r>
-          </a:p>
-        </p:txBody>
-      </p:sp>
-      <p:sp>
-        <p:nvSpPr>
-          <p:cNvPr id="4" name="object 4"/>
-          <p:cNvSpPr txBox="1"/>
-          <p:nvPr/>
-        </p:nvSpPr>
-        <p:spPr>
-          <a:xfrm>
-            <a:off x="8462518" y="6219669"/>
-            <a:ext cx="147320" cy="152400"/>
-          </a:xfrm>
-          <a:prstGeom prst="rect">
-            <a:avLst/>
-          </a:prstGeom>
-        </p:spPr>
-        <p:txBody>
           <a:bodyPr vert="horz" wrap="square" lIns="0" tIns="0" rIns="0" bIns="0" rtlCol="0">
             <a:spAutoFit/>
           </a:bodyPr>
           <a:lstStyle/>
           <a:p>
-            <a:pPr marL="12700">
+            <a:pPr marL="12700" marR="5080" indent="219075">
               <a:lnSpc>
-                <a:spcPct val="100000"/>
+                <a:spcPts val="3560"/>
               </a:lnSpc>
             </a:pPr>
             <a:r>
-              <a:rPr sz="1000" spc="-55" dirty="0">
-                <a:latin typeface="Trebuchet MS"/>
-                <a:cs typeface="Trebuchet MS"/>
-              </a:rPr>
-              <a:t>20</a:t>
-            </a:r>
-            <a:endParaRPr sz="1000">
-              <a:latin typeface="Trebuchet MS"/>
-              <a:cs typeface="Trebuchet MS"/>
+              <a:rPr lang="es-ES" sz="5400" b="1" spc="-80" dirty="0">
+                <a:cs typeface="Corbel"/>
+              </a:rPr>
+              <a:t>Gracias!!</a:t>
+            </a:r>
+            <a:endParaRPr sz="5400" b="1" dirty="0">
+              <a:cs typeface="Corbel"/>
             </a:endParaRPr>
-          </a:p>
-        </p:txBody>
-      </p:sp>
-      <p:sp>
-        <p:nvSpPr>
-          <p:cNvPr id="5" name="object 5"/>
-          <p:cNvSpPr txBox="1"/>
-          <p:nvPr/>
-        </p:nvSpPr>
-        <p:spPr>
-          <a:xfrm>
-            <a:off x="1600200" y="1106027"/>
-            <a:ext cx="10287000" cy="3255507"/>
-          </a:xfrm>
-          <a:prstGeom prst="rect">
-            <a:avLst/>
-          </a:prstGeom>
-        </p:spPr>
-        <p:txBody>
-          <a:bodyPr vert="horz" wrap="square" lIns="0" tIns="0" rIns="0" bIns="0" rtlCol="0">
-            <a:spAutoFit/>
-          </a:bodyPr>
-          <a:lstStyle/>
-          <a:p>
-            <a:pPr marL="12700" marR="409575">
-              <a:lnSpc>
-                <a:spcPct val="150000"/>
-              </a:lnSpc>
-            </a:pPr>
-            <a:r>
-              <a:rPr sz="2400" spc="-90" dirty="0">
-                <a:latin typeface="Arial"/>
-                <a:cs typeface="Arial"/>
-              </a:rPr>
-              <a:t>T</a:t>
-            </a:r>
-            <a:r>
-              <a:rPr sz="2400" dirty="0">
-                <a:latin typeface="Arial"/>
-                <a:cs typeface="Arial"/>
-              </a:rPr>
-              <a:t>i</a:t>
-            </a:r>
-            <a:r>
-              <a:rPr sz="2400" spc="-10" dirty="0">
-                <a:latin typeface="Arial"/>
-                <a:cs typeface="Arial"/>
-              </a:rPr>
-              <a:t>p</a:t>
-            </a:r>
-            <a:r>
-              <a:rPr sz="2400" dirty="0">
-                <a:latin typeface="Arial"/>
-                <a:cs typeface="Arial"/>
-              </a:rPr>
-              <a:t>o</a:t>
-            </a:r>
-            <a:r>
-              <a:rPr sz="2400" spc="-25" dirty="0">
-                <a:latin typeface="Arial"/>
-                <a:cs typeface="Arial"/>
-              </a:rPr>
-              <a:t> </a:t>
-            </a:r>
-            <a:r>
-              <a:rPr sz="2400" dirty="0">
-                <a:latin typeface="Arial"/>
-                <a:cs typeface="Arial"/>
-              </a:rPr>
-              <a:t>de</a:t>
-            </a:r>
-            <a:r>
-              <a:rPr sz="2400" spc="-15" dirty="0">
-                <a:latin typeface="Arial"/>
-                <a:cs typeface="Arial"/>
-              </a:rPr>
-              <a:t> </a:t>
-            </a:r>
-            <a:r>
-              <a:rPr sz="2400" dirty="0">
-                <a:latin typeface="Arial"/>
-                <a:cs typeface="Arial"/>
-              </a:rPr>
-              <a:t>cambio</a:t>
-            </a:r>
-            <a:r>
-              <a:rPr sz="2400" spc="45" dirty="0">
-                <a:latin typeface="Arial"/>
-                <a:cs typeface="Arial"/>
-              </a:rPr>
-              <a:t> </a:t>
-            </a:r>
-            <a:r>
-              <a:rPr sz="2400" spc="5" dirty="0">
-                <a:latin typeface="Arial"/>
-                <a:cs typeface="Arial"/>
-              </a:rPr>
-              <a:t>de</a:t>
-            </a:r>
-            <a:r>
-              <a:rPr sz="2400" dirty="0">
-                <a:latin typeface="Arial"/>
-                <a:cs typeface="Arial"/>
-              </a:rPr>
-              <a:t>l</a:t>
-            </a:r>
-            <a:r>
-              <a:rPr sz="2400" spc="50" dirty="0">
-                <a:latin typeface="Arial"/>
-                <a:cs typeface="Arial"/>
-              </a:rPr>
-              <a:t> </a:t>
-            </a:r>
-            <a:r>
-              <a:rPr sz="2400" spc="15" dirty="0">
-                <a:latin typeface="Arial"/>
-                <a:cs typeface="Arial"/>
-              </a:rPr>
-              <a:t>dóla</a:t>
-            </a:r>
-            <a:r>
-              <a:rPr sz="2400" dirty="0">
-                <a:latin typeface="Arial"/>
-                <a:cs typeface="Arial"/>
-              </a:rPr>
-              <a:t>r</a:t>
-            </a:r>
-            <a:r>
-              <a:rPr sz="2400" spc="55" dirty="0">
-                <a:latin typeface="Arial"/>
-                <a:cs typeface="Arial"/>
-              </a:rPr>
-              <a:t> </a:t>
-            </a:r>
-            <a:r>
-              <a:rPr sz="2400" dirty="0">
-                <a:latin typeface="Arial"/>
-                <a:cs typeface="Arial"/>
-              </a:rPr>
-              <a:t>y</a:t>
-            </a:r>
-            <a:r>
-              <a:rPr sz="2400" spc="-80" dirty="0">
-                <a:latin typeface="Arial"/>
-                <a:cs typeface="Arial"/>
-              </a:rPr>
-              <a:t> </a:t>
-            </a:r>
-            <a:r>
-              <a:rPr sz="2400" spc="-15" dirty="0">
-                <a:latin typeface="Arial"/>
-                <a:cs typeface="Arial"/>
-              </a:rPr>
-              <a:t>e</a:t>
-            </a:r>
-            <a:r>
-              <a:rPr sz="2400" dirty="0">
-                <a:latin typeface="Arial"/>
-                <a:cs typeface="Arial"/>
-              </a:rPr>
-              <a:t>l</a:t>
-            </a:r>
-            <a:r>
-              <a:rPr sz="2400" spc="-40" dirty="0">
-                <a:latin typeface="Arial"/>
-                <a:cs typeface="Arial"/>
-              </a:rPr>
-              <a:t> </a:t>
-            </a:r>
-            <a:r>
-              <a:rPr sz="2400" dirty="0">
-                <a:latin typeface="Arial"/>
-                <a:cs typeface="Arial"/>
-              </a:rPr>
-              <a:t>euro</a:t>
-            </a:r>
-            <a:r>
-              <a:rPr sz="2400" spc="10" dirty="0">
-                <a:latin typeface="Arial"/>
-                <a:cs typeface="Arial"/>
-              </a:rPr>
-              <a:t> </a:t>
-            </a:r>
-            <a:r>
-              <a:rPr sz="2400" spc="-5" dirty="0">
-                <a:latin typeface="Arial"/>
-                <a:cs typeface="Arial"/>
-              </a:rPr>
-              <a:t>d</a:t>
-            </a:r>
-            <a:r>
-              <a:rPr sz="2400" dirty="0">
-                <a:latin typeface="Arial"/>
-                <a:cs typeface="Arial"/>
-              </a:rPr>
-              <a:t>e</a:t>
-            </a:r>
-            <a:r>
-              <a:rPr sz="2400" spc="-25" dirty="0">
-                <a:latin typeface="Arial"/>
-                <a:cs typeface="Arial"/>
-              </a:rPr>
-              <a:t> </a:t>
-            </a:r>
-            <a:r>
-              <a:rPr sz="2400" spc="-45" dirty="0">
-                <a:latin typeface="Arial"/>
-                <a:cs typeface="Arial"/>
-              </a:rPr>
-              <a:t>l</a:t>
-            </a:r>
-            <a:r>
-              <a:rPr sz="2400" spc="-40" dirty="0">
-                <a:latin typeface="Arial"/>
-                <a:cs typeface="Arial"/>
-              </a:rPr>
-              <a:t>o</a:t>
-            </a:r>
-            <a:r>
-              <a:rPr sz="2400" dirty="0">
-                <a:latin typeface="Arial"/>
-                <a:cs typeface="Arial"/>
-              </a:rPr>
-              <a:t>s</a:t>
-            </a:r>
-            <a:r>
-              <a:rPr sz="2400" spc="-30" dirty="0">
-                <a:latin typeface="Arial"/>
-                <a:cs typeface="Arial"/>
-              </a:rPr>
-              <a:t> </a:t>
-            </a:r>
-            <a:r>
-              <a:rPr sz="2400" spc="-95" dirty="0">
-                <a:latin typeface="Arial"/>
-                <a:cs typeface="Arial"/>
-              </a:rPr>
-              <a:t>m</a:t>
-            </a:r>
-            <a:r>
-              <a:rPr sz="2400" spc="-100" dirty="0">
-                <a:latin typeface="Arial"/>
-                <a:cs typeface="Arial"/>
-              </a:rPr>
-              <a:t>ese</a:t>
-            </a:r>
-            <a:r>
-              <a:rPr sz="2400" dirty="0">
-                <a:latin typeface="Arial"/>
-                <a:cs typeface="Arial"/>
-              </a:rPr>
-              <a:t>s </a:t>
-            </a:r>
-            <a:r>
-              <a:rPr sz="2400" spc="-5" dirty="0">
-                <a:latin typeface="Arial"/>
-                <a:cs typeface="Arial"/>
-              </a:rPr>
-              <a:t>d</a:t>
-            </a:r>
-            <a:r>
-              <a:rPr sz="2400" dirty="0">
-                <a:latin typeface="Arial"/>
-                <a:cs typeface="Arial"/>
-              </a:rPr>
-              <a:t>e</a:t>
-            </a:r>
-            <a:r>
-              <a:rPr sz="2400" spc="-10" dirty="0">
-                <a:latin typeface="Arial"/>
-                <a:cs typeface="Arial"/>
-              </a:rPr>
-              <a:t> </a:t>
-            </a:r>
-            <a:r>
-              <a:rPr lang="es-ES" sz="2400" spc="-10" dirty="0">
-                <a:latin typeface="Arial"/>
-                <a:cs typeface="Arial"/>
-              </a:rPr>
-              <a:t>Enero a Septiembre de 2023</a:t>
-            </a:r>
-            <a:r>
-              <a:rPr sz="2400" spc="-75" dirty="0">
-                <a:latin typeface="Arial"/>
-                <a:cs typeface="Arial"/>
-              </a:rPr>
-              <a:t>.</a:t>
-            </a:r>
-            <a:endParaRPr sz="2400" dirty="0">
-              <a:latin typeface="Arial"/>
-              <a:cs typeface="Arial"/>
-            </a:endParaRPr>
-          </a:p>
-          <a:p>
-            <a:pPr marL="812800" marR="16510" indent="-342900" algn="just">
-              <a:lnSpc>
-                <a:spcPct val="150000"/>
-              </a:lnSpc>
-              <a:buFont typeface="Arial"/>
-              <a:buChar char="•"/>
-              <a:tabLst>
-                <a:tab pos="812800" algn="l"/>
-              </a:tabLst>
-            </a:pPr>
-            <a:r>
-              <a:rPr sz="2400" spc="-114" dirty="0" err="1">
-                <a:latin typeface="Arial"/>
-                <a:cs typeface="Arial"/>
-              </a:rPr>
-              <a:t>C</a:t>
-            </a:r>
-            <a:r>
-              <a:rPr sz="2400" spc="-105" dirty="0" err="1">
-                <a:latin typeface="Arial"/>
-                <a:cs typeface="Arial"/>
-              </a:rPr>
-              <a:t>r</a:t>
-            </a:r>
-            <a:r>
-              <a:rPr sz="2400" spc="-114" dirty="0" err="1">
-                <a:latin typeface="Arial"/>
-                <a:cs typeface="Arial"/>
-              </a:rPr>
-              <a:t>e</a:t>
-            </a:r>
-            <a:r>
-              <a:rPr sz="2400" dirty="0" err="1">
-                <a:latin typeface="Arial"/>
-                <a:cs typeface="Arial"/>
-              </a:rPr>
-              <a:t>a</a:t>
-            </a:r>
-            <a:r>
-              <a:rPr sz="2400" dirty="0">
-                <a:latin typeface="Arial"/>
-                <a:cs typeface="Arial"/>
-              </a:rPr>
-              <a:t> </a:t>
-            </a:r>
-            <a:r>
-              <a:rPr sz="2400" spc="-320" dirty="0">
-                <a:latin typeface="Arial"/>
-                <a:cs typeface="Arial"/>
-              </a:rPr>
-              <a:t> </a:t>
-            </a:r>
-            <a:r>
-              <a:rPr sz="2400" spc="20" dirty="0">
-                <a:latin typeface="Arial"/>
-                <a:cs typeface="Arial"/>
-              </a:rPr>
-              <a:t>u</a:t>
-            </a:r>
-            <a:r>
-              <a:rPr sz="2400" dirty="0">
-                <a:latin typeface="Arial"/>
-                <a:cs typeface="Arial"/>
-              </a:rPr>
-              <a:t>n </a:t>
-            </a:r>
-            <a:r>
-              <a:rPr sz="2400" spc="-200" dirty="0">
-                <a:latin typeface="Arial"/>
-                <a:cs typeface="Arial"/>
-              </a:rPr>
-              <a:t> </a:t>
-            </a:r>
-            <a:r>
-              <a:rPr sz="2400" spc="5" dirty="0">
-                <a:latin typeface="Arial"/>
-                <a:cs typeface="Arial"/>
-              </a:rPr>
-              <a:t>g</a:t>
-            </a:r>
-            <a:r>
-              <a:rPr sz="2400" spc="10" dirty="0">
-                <a:latin typeface="Arial"/>
-                <a:cs typeface="Arial"/>
-              </a:rPr>
-              <a:t>r</a:t>
-            </a:r>
-            <a:r>
-              <a:rPr sz="2400" spc="5" dirty="0">
-                <a:latin typeface="Arial"/>
-                <a:cs typeface="Arial"/>
-              </a:rPr>
-              <a:t>á</a:t>
-            </a:r>
-            <a:r>
-              <a:rPr sz="2400" spc="10" dirty="0">
-                <a:latin typeface="Arial"/>
-                <a:cs typeface="Arial"/>
-              </a:rPr>
-              <a:t>f</a:t>
-            </a:r>
-            <a:r>
-              <a:rPr sz="2400" dirty="0">
-                <a:latin typeface="Arial"/>
-                <a:cs typeface="Arial"/>
-              </a:rPr>
-              <a:t>i</a:t>
-            </a:r>
-            <a:r>
-              <a:rPr sz="2400" spc="20" dirty="0">
-                <a:latin typeface="Arial"/>
-                <a:cs typeface="Arial"/>
-              </a:rPr>
-              <a:t>c</a:t>
-            </a:r>
-            <a:r>
-              <a:rPr sz="2400" dirty="0">
-                <a:latin typeface="Arial"/>
-                <a:cs typeface="Arial"/>
-              </a:rPr>
-              <a:t>o </a:t>
-            </a:r>
-            <a:r>
-              <a:rPr sz="2400" spc="-185" dirty="0">
-                <a:latin typeface="Arial"/>
-                <a:cs typeface="Arial"/>
-              </a:rPr>
-              <a:t> </a:t>
-            </a:r>
-            <a:r>
-              <a:rPr sz="2400" spc="5" dirty="0">
-                <a:latin typeface="Arial"/>
-                <a:cs typeface="Arial"/>
-              </a:rPr>
-              <a:t>qu</a:t>
-            </a:r>
-            <a:r>
-              <a:rPr sz="2400" dirty="0">
-                <a:latin typeface="Arial"/>
-                <a:cs typeface="Arial"/>
-              </a:rPr>
-              <a:t>e </a:t>
-            </a:r>
-            <a:r>
-              <a:rPr sz="2400" spc="-210" dirty="0">
-                <a:latin typeface="Arial"/>
-                <a:cs typeface="Arial"/>
-              </a:rPr>
-              <a:t> </a:t>
-            </a:r>
-            <a:r>
-              <a:rPr sz="2400" spc="-20" dirty="0">
-                <a:latin typeface="Arial"/>
-                <a:cs typeface="Arial"/>
-              </a:rPr>
-              <a:t>m</a:t>
-            </a:r>
-            <a:r>
-              <a:rPr sz="2400" spc="-15" dirty="0">
-                <a:latin typeface="Arial"/>
-                <a:cs typeface="Arial"/>
-              </a:rPr>
-              <a:t>u</a:t>
-            </a:r>
-            <a:r>
-              <a:rPr sz="2400" spc="-30" dirty="0">
-                <a:latin typeface="Arial"/>
-                <a:cs typeface="Arial"/>
-              </a:rPr>
-              <a:t>e</a:t>
-            </a:r>
-            <a:r>
-              <a:rPr sz="2400" spc="-25" dirty="0">
-                <a:latin typeface="Arial"/>
-                <a:cs typeface="Arial"/>
-              </a:rPr>
-              <a:t>s</a:t>
-            </a:r>
-            <a:r>
-              <a:rPr sz="2400" spc="-20" dirty="0">
-                <a:latin typeface="Arial"/>
-                <a:cs typeface="Arial"/>
-              </a:rPr>
-              <a:t>tr</a:t>
-            </a:r>
-            <a:r>
-              <a:rPr sz="2400" dirty="0">
-                <a:latin typeface="Arial"/>
-                <a:cs typeface="Arial"/>
-              </a:rPr>
-              <a:t>e </a:t>
-            </a:r>
-            <a:r>
-              <a:rPr sz="2400" spc="-235" dirty="0">
-                <a:latin typeface="Arial"/>
-                <a:cs typeface="Arial"/>
-              </a:rPr>
-              <a:t> </a:t>
-            </a:r>
-            <a:r>
-              <a:rPr sz="2400" spc="-20" dirty="0">
-                <a:latin typeface="Arial"/>
-                <a:cs typeface="Arial"/>
-              </a:rPr>
-              <a:t>l</a:t>
-            </a:r>
-            <a:r>
-              <a:rPr sz="2400" spc="-15" dirty="0">
-                <a:latin typeface="Arial"/>
-                <a:cs typeface="Arial"/>
-              </a:rPr>
-              <a:t>o</a:t>
-            </a:r>
-            <a:r>
-              <a:rPr sz="2400" dirty="0">
-                <a:latin typeface="Arial"/>
-                <a:cs typeface="Arial"/>
-              </a:rPr>
-              <a:t>s </a:t>
-            </a:r>
-            <a:r>
-              <a:rPr sz="2400" spc="-229" dirty="0">
-                <a:latin typeface="Arial"/>
-                <a:cs typeface="Arial"/>
-              </a:rPr>
-              <a:t> </a:t>
-            </a:r>
-            <a:r>
-              <a:rPr sz="2400" spc="-15" dirty="0">
-                <a:latin typeface="Arial"/>
-                <a:cs typeface="Arial"/>
-              </a:rPr>
-              <a:t>do</a:t>
-            </a:r>
-            <a:r>
-              <a:rPr sz="2400" dirty="0">
-                <a:latin typeface="Arial"/>
-                <a:cs typeface="Arial"/>
-              </a:rPr>
-              <a:t>s </a:t>
-            </a:r>
-            <a:r>
-              <a:rPr sz="2400" spc="-235" dirty="0">
-                <a:latin typeface="Arial"/>
-                <a:cs typeface="Arial"/>
-              </a:rPr>
-              <a:t> </a:t>
-            </a:r>
-            <a:r>
-              <a:rPr sz="2400" spc="35" dirty="0">
-                <a:latin typeface="Arial"/>
-                <a:cs typeface="Arial"/>
-              </a:rPr>
-              <a:t>t</a:t>
-            </a:r>
-            <a:r>
-              <a:rPr sz="2400" spc="25" dirty="0">
-                <a:latin typeface="Arial"/>
-                <a:cs typeface="Arial"/>
-              </a:rPr>
-              <a:t>i</a:t>
-            </a:r>
-            <a:r>
-              <a:rPr sz="2400" spc="30" dirty="0">
-                <a:latin typeface="Arial"/>
-                <a:cs typeface="Arial"/>
-              </a:rPr>
-              <a:t>po</a:t>
-            </a:r>
-            <a:r>
-              <a:rPr sz="2400" dirty="0">
-                <a:latin typeface="Arial"/>
-                <a:cs typeface="Arial"/>
-              </a:rPr>
-              <a:t>s </a:t>
-            </a:r>
-            <a:r>
-              <a:rPr sz="2400" spc="-5" dirty="0">
-                <a:latin typeface="Arial"/>
-                <a:cs typeface="Arial"/>
-              </a:rPr>
-              <a:t>d</a:t>
-            </a:r>
-            <a:r>
-              <a:rPr sz="2400" dirty="0">
-                <a:latin typeface="Arial"/>
-                <a:cs typeface="Arial"/>
-              </a:rPr>
-              <a:t>e</a:t>
-            </a:r>
-            <a:r>
-              <a:rPr sz="2400" spc="-10" dirty="0">
-                <a:latin typeface="Arial"/>
-                <a:cs typeface="Arial"/>
-              </a:rPr>
-              <a:t> </a:t>
-            </a:r>
-            <a:r>
-              <a:rPr sz="2400" dirty="0">
-                <a:latin typeface="Arial"/>
-                <a:cs typeface="Arial"/>
-              </a:rPr>
-              <a:t>cambio</a:t>
-            </a:r>
-            <a:r>
-              <a:rPr sz="2400" spc="45" dirty="0">
-                <a:latin typeface="Arial"/>
-                <a:cs typeface="Arial"/>
-              </a:rPr>
-              <a:t> </a:t>
-            </a:r>
-            <a:r>
-              <a:rPr sz="2400" spc="-40" dirty="0">
-                <a:latin typeface="Arial"/>
-                <a:cs typeface="Arial"/>
-              </a:rPr>
-              <a:t>e</a:t>
-            </a:r>
-            <a:r>
-              <a:rPr sz="2400" dirty="0">
-                <a:latin typeface="Arial"/>
-                <a:cs typeface="Arial"/>
-              </a:rPr>
-              <a:t>n</a:t>
-            </a:r>
-            <a:r>
-              <a:rPr sz="2400" spc="-60" dirty="0">
-                <a:latin typeface="Arial"/>
-                <a:cs typeface="Arial"/>
-              </a:rPr>
-              <a:t> </a:t>
-            </a:r>
-            <a:r>
-              <a:rPr sz="2400" spc="-40" dirty="0">
-                <a:latin typeface="Arial"/>
-                <a:cs typeface="Arial"/>
-              </a:rPr>
-              <a:t>un</a:t>
-            </a:r>
-            <a:r>
-              <a:rPr sz="2400" dirty="0">
-                <a:latin typeface="Arial"/>
-                <a:cs typeface="Arial"/>
-              </a:rPr>
-              <a:t>a</a:t>
-            </a:r>
-            <a:r>
-              <a:rPr sz="2400" spc="-35" dirty="0">
-                <a:latin typeface="Arial"/>
-                <a:cs typeface="Arial"/>
-              </a:rPr>
-              <a:t> </a:t>
-            </a:r>
-            <a:r>
-              <a:rPr sz="2400" spc="-50" dirty="0">
-                <a:latin typeface="Arial"/>
-                <a:cs typeface="Arial"/>
-              </a:rPr>
-              <a:t>s</a:t>
-            </a:r>
-            <a:r>
-              <a:rPr sz="2400" spc="-55" dirty="0">
-                <a:latin typeface="Arial"/>
-                <a:cs typeface="Arial"/>
-              </a:rPr>
-              <a:t>ol</a:t>
-            </a:r>
-            <a:r>
-              <a:rPr sz="2400" dirty="0">
-                <a:latin typeface="Arial"/>
-                <a:cs typeface="Arial"/>
-              </a:rPr>
-              <a:t>a</a:t>
-            </a:r>
-            <a:r>
-              <a:rPr sz="2400" spc="25" dirty="0">
-                <a:latin typeface="Arial"/>
-                <a:cs typeface="Arial"/>
-              </a:rPr>
-              <a:t> </a:t>
-            </a:r>
-            <a:r>
-              <a:rPr sz="2400" spc="-40" dirty="0">
-                <a:latin typeface="Arial"/>
-                <a:cs typeface="Arial"/>
-              </a:rPr>
-              <a:t>g</a:t>
-            </a:r>
-            <a:r>
-              <a:rPr sz="2400" spc="-35" dirty="0">
-                <a:latin typeface="Arial"/>
-                <a:cs typeface="Arial"/>
-              </a:rPr>
-              <a:t>r</a:t>
-            </a:r>
-            <a:r>
-              <a:rPr sz="2400" spc="-40" dirty="0">
-                <a:latin typeface="Arial"/>
-                <a:cs typeface="Arial"/>
-              </a:rPr>
-              <a:t>á</a:t>
-            </a:r>
-            <a:r>
-              <a:rPr sz="2400" spc="-35" dirty="0">
-                <a:latin typeface="Arial"/>
-                <a:cs typeface="Arial"/>
-              </a:rPr>
-              <a:t>f</a:t>
-            </a:r>
-            <a:r>
-              <a:rPr sz="2400" spc="-45" dirty="0">
-                <a:latin typeface="Arial"/>
-                <a:cs typeface="Arial"/>
-              </a:rPr>
-              <a:t>i</a:t>
-            </a:r>
-            <a:r>
-              <a:rPr sz="2400" spc="-40" dirty="0">
-                <a:latin typeface="Arial"/>
-                <a:cs typeface="Arial"/>
-              </a:rPr>
-              <a:t>ca</a:t>
-            </a:r>
-            <a:r>
-              <a:rPr sz="2400" dirty="0">
-                <a:latin typeface="Arial"/>
-                <a:cs typeface="Arial"/>
-              </a:rPr>
-              <a:t>.</a:t>
-            </a:r>
-          </a:p>
-          <a:p>
-            <a:pPr marL="812800" marR="5080" indent="-342900" algn="just">
-              <a:lnSpc>
-                <a:spcPct val="150000"/>
-              </a:lnSpc>
-              <a:buFont typeface="Arial"/>
-              <a:buChar char="•"/>
-              <a:tabLst>
-                <a:tab pos="812800" algn="l"/>
-              </a:tabLst>
-            </a:pPr>
-            <a:r>
-              <a:rPr sz="2400" spc="-114" dirty="0" err="1">
-                <a:latin typeface="Arial"/>
-                <a:cs typeface="Arial"/>
-              </a:rPr>
-              <a:t>C</a:t>
-            </a:r>
-            <a:r>
-              <a:rPr sz="2400" spc="-105" dirty="0" err="1">
-                <a:latin typeface="Arial"/>
-                <a:cs typeface="Arial"/>
-              </a:rPr>
-              <a:t>r</a:t>
-            </a:r>
-            <a:r>
-              <a:rPr sz="2400" spc="-114" dirty="0" err="1">
-                <a:latin typeface="Arial"/>
-                <a:cs typeface="Arial"/>
-              </a:rPr>
-              <a:t>e</a:t>
-            </a:r>
-            <a:r>
-              <a:rPr sz="2400" dirty="0" err="1">
-                <a:latin typeface="Arial"/>
-                <a:cs typeface="Arial"/>
-              </a:rPr>
-              <a:t>a</a:t>
-            </a:r>
-            <a:r>
-              <a:rPr sz="2400" dirty="0">
-                <a:latin typeface="Arial"/>
-                <a:cs typeface="Arial"/>
-              </a:rPr>
-              <a:t>   </a:t>
-            </a:r>
-            <a:r>
-              <a:rPr sz="2400" spc="100" dirty="0">
-                <a:latin typeface="Arial"/>
-                <a:cs typeface="Arial"/>
-              </a:rPr>
-              <a:t> </a:t>
-            </a:r>
-            <a:r>
-              <a:rPr sz="2400" spc="65" dirty="0">
-                <a:latin typeface="Arial"/>
-                <a:cs typeface="Arial"/>
-              </a:rPr>
-              <a:t>o</a:t>
-            </a:r>
-            <a:r>
-              <a:rPr sz="2400" spc="60" dirty="0">
-                <a:latin typeface="Arial"/>
-                <a:cs typeface="Arial"/>
-              </a:rPr>
-              <a:t>t</a:t>
-            </a:r>
-            <a:r>
-              <a:rPr sz="2400" spc="70" dirty="0">
-                <a:latin typeface="Arial"/>
-                <a:cs typeface="Arial"/>
-              </a:rPr>
-              <a:t>r</a:t>
-            </a:r>
-            <a:r>
-              <a:rPr sz="2400" dirty="0">
-                <a:latin typeface="Arial"/>
-                <a:cs typeface="Arial"/>
-              </a:rPr>
-              <a:t>o   </a:t>
-            </a:r>
-            <a:r>
-              <a:rPr sz="2400" spc="290" dirty="0">
-                <a:latin typeface="Arial"/>
-                <a:cs typeface="Arial"/>
-              </a:rPr>
-              <a:t> </a:t>
-            </a:r>
-            <a:r>
-              <a:rPr sz="2400" spc="5" dirty="0">
-                <a:latin typeface="Arial"/>
-                <a:cs typeface="Arial"/>
-              </a:rPr>
-              <a:t>g</a:t>
-            </a:r>
-            <a:r>
-              <a:rPr sz="2400" spc="10" dirty="0">
-                <a:latin typeface="Arial"/>
-                <a:cs typeface="Arial"/>
-              </a:rPr>
-              <a:t>r</a:t>
-            </a:r>
-            <a:r>
-              <a:rPr sz="2400" spc="5" dirty="0">
-                <a:latin typeface="Arial"/>
-                <a:cs typeface="Arial"/>
-              </a:rPr>
-              <a:t>á</a:t>
-            </a:r>
-            <a:r>
-              <a:rPr sz="2400" spc="10" dirty="0">
-                <a:latin typeface="Arial"/>
-                <a:cs typeface="Arial"/>
-              </a:rPr>
-              <a:t>f</a:t>
-            </a:r>
-            <a:r>
-              <a:rPr sz="2400" dirty="0">
-                <a:latin typeface="Arial"/>
-                <a:cs typeface="Arial"/>
-              </a:rPr>
-              <a:t>i</a:t>
-            </a:r>
-            <a:r>
-              <a:rPr sz="2400" spc="20" dirty="0">
-                <a:latin typeface="Arial"/>
-                <a:cs typeface="Arial"/>
-              </a:rPr>
-              <a:t>c</a:t>
-            </a:r>
-            <a:r>
-              <a:rPr sz="2400" dirty="0">
-                <a:latin typeface="Arial"/>
-                <a:cs typeface="Arial"/>
-              </a:rPr>
-              <a:t>o   </a:t>
-            </a:r>
-            <a:r>
-              <a:rPr sz="2400" spc="245" dirty="0">
-                <a:latin typeface="Arial"/>
-                <a:cs typeface="Arial"/>
-              </a:rPr>
-              <a:t> </a:t>
-            </a:r>
-            <a:r>
-              <a:rPr sz="2400" spc="5" dirty="0">
-                <a:latin typeface="Arial"/>
-                <a:cs typeface="Arial"/>
-              </a:rPr>
-              <a:t>q</a:t>
-            </a:r>
-            <a:r>
-              <a:rPr sz="2400" dirty="0">
-                <a:latin typeface="Arial"/>
-                <a:cs typeface="Arial"/>
-              </a:rPr>
-              <a:t>ue   </a:t>
-            </a:r>
-            <a:r>
-              <a:rPr sz="2400" spc="204" dirty="0">
-                <a:latin typeface="Arial"/>
-                <a:cs typeface="Arial"/>
-              </a:rPr>
-              <a:t> </a:t>
-            </a:r>
-            <a:r>
-              <a:rPr sz="2400" spc="-10" dirty="0">
-                <a:latin typeface="Arial"/>
-                <a:cs typeface="Arial"/>
-              </a:rPr>
-              <a:t>m</a:t>
-            </a:r>
-            <a:r>
-              <a:rPr sz="2400" spc="-15" dirty="0">
-                <a:latin typeface="Arial"/>
-                <a:cs typeface="Arial"/>
-              </a:rPr>
-              <a:t>u</a:t>
-            </a:r>
-            <a:r>
-              <a:rPr sz="2400" spc="-30" dirty="0">
-                <a:latin typeface="Arial"/>
-                <a:cs typeface="Arial"/>
-              </a:rPr>
-              <a:t>e</a:t>
-            </a:r>
-            <a:r>
-              <a:rPr sz="2400" spc="-25" dirty="0">
-                <a:latin typeface="Arial"/>
-                <a:cs typeface="Arial"/>
-              </a:rPr>
-              <a:t>s</a:t>
-            </a:r>
-            <a:r>
-              <a:rPr sz="2400" spc="-20" dirty="0">
-                <a:latin typeface="Arial"/>
-                <a:cs typeface="Arial"/>
-              </a:rPr>
-              <a:t>tr</a:t>
-            </a:r>
-            <a:r>
-              <a:rPr sz="2400" dirty="0">
-                <a:latin typeface="Arial"/>
-                <a:cs typeface="Arial"/>
-              </a:rPr>
-              <a:t>e   </a:t>
-            </a:r>
-            <a:r>
-              <a:rPr sz="2400" spc="185" dirty="0">
-                <a:latin typeface="Arial"/>
-                <a:cs typeface="Arial"/>
-              </a:rPr>
-              <a:t> </a:t>
-            </a:r>
-            <a:r>
-              <a:rPr sz="2400" spc="-15" dirty="0">
-                <a:latin typeface="Arial"/>
-                <a:cs typeface="Arial"/>
-              </a:rPr>
-              <a:t>d</a:t>
-            </a:r>
-            <a:r>
-              <a:rPr sz="2400" dirty="0">
-                <a:latin typeface="Arial"/>
-                <a:cs typeface="Arial"/>
-              </a:rPr>
-              <a:t>os </a:t>
-            </a:r>
-            <a:r>
-              <a:rPr sz="2400" spc="-50" dirty="0">
-                <a:latin typeface="Arial"/>
-                <a:cs typeface="Arial"/>
-              </a:rPr>
-              <a:t>s</a:t>
-            </a:r>
-            <a:r>
-              <a:rPr sz="2400" spc="-40" dirty="0">
-                <a:latin typeface="Arial"/>
-                <a:cs typeface="Arial"/>
-              </a:rPr>
-              <a:t>u</a:t>
-            </a:r>
-            <a:r>
-              <a:rPr sz="2400" spc="-55" dirty="0">
-                <a:latin typeface="Arial"/>
-                <a:cs typeface="Arial"/>
-              </a:rPr>
-              <a:t>bg</a:t>
-            </a:r>
-            <a:r>
-              <a:rPr sz="2400" spc="-35" dirty="0">
-                <a:latin typeface="Arial"/>
-                <a:cs typeface="Arial"/>
-              </a:rPr>
-              <a:t>r</a:t>
-            </a:r>
-            <a:r>
-              <a:rPr sz="2400" spc="-55" dirty="0">
-                <a:latin typeface="Arial"/>
-                <a:cs typeface="Arial"/>
-              </a:rPr>
-              <a:t>á</a:t>
-            </a:r>
-            <a:r>
-              <a:rPr sz="2400" spc="-45" dirty="0">
-                <a:latin typeface="Arial"/>
-                <a:cs typeface="Arial"/>
-              </a:rPr>
-              <a:t>fi</a:t>
-            </a:r>
-            <a:r>
-              <a:rPr sz="2400" spc="-50" dirty="0">
-                <a:latin typeface="Arial"/>
-                <a:cs typeface="Arial"/>
-              </a:rPr>
-              <a:t>c</a:t>
-            </a:r>
-            <a:r>
-              <a:rPr sz="2400" spc="-40" dirty="0">
-                <a:latin typeface="Arial"/>
-                <a:cs typeface="Arial"/>
-              </a:rPr>
-              <a:t>as</a:t>
-            </a:r>
-            <a:r>
-              <a:rPr sz="2400" dirty="0">
-                <a:latin typeface="Arial"/>
-                <a:cs typeface="Arial"/>
-              </a:rPr>
-              <a:t>,</a:t>
-            </a:r>
-            <a:r>
-              <a:rPr sz="2400" spc="165" dirty="0">
-                <a:latin typeface="Arial"/>
-                <a:cs typeface="Arial"/>
-              </a:rPr>
-              <a:t> </a:t>
-            </a:r>
-            <a:r>
-              <a:rPr sz="2400" spc="-25" dirty="0">
-                <a:latin typeface="Arial"/>
-                <a:cs typeface="Arial"/>
-              </a:rPr>
-              <a:t>un</a:t>
-            </a:r>
-            <a:r>
-              <a:rPr sz="2400" dirty="0">
-                <a:latin typeface="Arial"/>
-                <a:cs typeface="Arial"/>
-              </a:rPr>
-              <a:t>a</a:t>
-            </a:r>
-            <a:r>
-              <a:rPr sz="2400" spc="175" dirty="0">
-                <a:latin typeface="Arial"/>
-                <a:cs typeface="Arial"/>
-              </a:rPr>
-              <a:t> </a:t>
-            </a:r>
-            <a:r>
-              <a:rPr sz="2400" spc="5" dirty="0">
-                <a:latin typeface="Arial"/>
-                <a:cs typeface="Arial"/>
-              </a:rPr>
-              <a:t>q</a:t>
-            </a:r>
-            <a:r>
-              <a:rPr sz="2400" dirty="0">
-                <a:latin typeface="Arial"/>
-                <a:cs typeface="Arial"/>
-              </a:rPr>
-              <a:t>ue</a:t>
-            </a:r>
-            <a:r>
-              <a:rPr sz="2400" spc="215" dirty="0">
-                <a:latin typeface="Arial"/>
-                <a:cs typeface="Arial"/>
-              </a:rPr>
-              <a:t> </a:t>
-            </a:r>
-            <a:r>
-              <a:rPr sz="2400" spc="-15" dirty="0">
-                <a:latin typeface="Arial"/>
-                <a:cs typeface="Arial"/>
-              </a:rPr>
-              <a:t>co</a:t>
-            </a:r>
-            <a:r>
-              <a:rPr sz="2400" dirty="0">
-                <a:latin typeface="Arial"/>
-                <a:cs typeface="Arial"/>
-              </a:rPr>
-              <a:t>r</a:t>
-            </a:r>
-            <a:r>
-              <a:rPr sz="2400" spc="-15" dirty="0">
-                <a:latin typeface="Arial"/>
-                <a:cs typeface="Arial"/>
-              </a:rPr>
-              <a:t>re</a:t>
-            </a:r>
-            <a:r>
-              <a:rPr sz="2400" dirty="0">
-                <a:latin typeface="Arial"/>
-                <a:cs typeface="Arial"/>
-              </a:rPr>
-              <a:t>s</a:t>
-            </a:r>
-            <a:r>
-              <a:rPr sz="2400" spc="-15" dirty="0">
-                <a:latin typeface="Arial"/>
-                <a:cs typeface="Arial"/>
-              </a:rPr>
-              <a:t>p</a:t>
-            </a:r>
-            <a:r>
-              <a:rPr sz="2400" dirty="0">
-                <a:latin typeface="Arial"/>
-                <a:cs typeface="Arial"/>
-              </a:rPr>
-              <a:t>on</a:t>
-            </a:r>
-            <a:r>
-              <a:rPr sz="2400" spc="-10" dirty="0">
-                <a:latin typeface="Arial"/>
-                <a:cs typeface="Arial"/>
-              </a:rPr>
-              <a:t>d</a:t>
-            </a:r>
-            <a:r>
-              <a:rPr sz="2400" dirty="0">
-                <a:latin typeface="Arial"/>
-                <a:cs typeface="Arial"/>
-              </a:rPr>
-              <a:t>a</a:t>
-            </a:r>
-            <a:r>
-              <a:rPr sz="2400" spc="195" dirty="0">
-                <a:latin typeface="Arial"/>
-                <a:cs typeface="Arial"/>
-              </a:rPr>
-              <a:t> </a:t>
-            </a:r>
-            <a:r>
-              <a:rPr sz="2400" spc="-30" dirty="0">
-                <a:latin typeface="Arial"/>
-                <a:cs typeface="Arial"/>
-              </a:rPr>
-              <a:t>a</a:t>
-            </a:r>
-            <a:r>
-              <a:rPr sz="2400" dirty="0">
-                <a:latin typeface="Arial"/>
-                <a:cs typeface="Arial"/>
-              </a:rPr>
-              <a:t>l</a:t>
-            </a:r>
-            <a:r>
-              <a:rPr sz="2400" spc="165" dirty="0">
-                <a:latin typeface="Arial"/>
-                <a:cs typeface="Arial"/>
-              </a:rPr>
-              <a:t> </a:t>
-            </a:r>
-            <a:r>
-              <a:rPr sz="2400" spc="15" dirty="0">
-                <a:latin typeface="Arial"/>
-                <a:cs typeface="Arial"/>
-              </a:rPr>
-              <a:t>dóla</a:t>
-            </a:r>
-            <a:r>
-              <a:rPr sz="2400" dirty="0">
-                <a:latin typeface="Arial"/>
-                <a:cs typeface="Arial"/>
-              </a:rPr>
-              <a:t>r</a:t>
-            </a:r>
-            <a:r>
-              <a:rPr sz="2400" spc="245" dirty="0">
-                <a:latin typeface="Arial"/>
-                <a:cs typeface="Arial"/>
-              </a:rPr>
-              <a:t> </a:t>
-            </a:r>
-            <a:r>
-              <a:rPr sz="2400" dirty="0">
-                <a:latin typeface="Arial"/>
-                <a:cs typeface="Arial"/>
-              </a:rPr>
-              <a:t>y </a:t>
-            </a:r>
-            <a:r>
-              <a:rPr sz="2400" spc="25" dirty="0">
-                <a:latin typeface="Arial"/>
-                <a:cs typeface="Arial"/>
-              </a:rPr>
-              <a:t>o</a:t>
-            </a:r>
-            <a:r>
-              <a:rPr sz="2400" spc="35" dirty="0">
-                <a:latin typeface="Arial"/>
-                <a:cs typeface="Arial"/>
-              </a:rPr>
-              <a:t>tr</a:t>
-            </a:r>
-            <a:r>
-              <a:rPr sz="2400" dirty="0">
-                <a:latin typeface="Arial"/>
-                <a:cs typeface="Arial"/>
-              </a:rPr>
-              <a:t>a</a:t>
-            </a:r>
-            <a:r>
-              <a:rPr sz="2400" spc="30" dirty="0">
-                <a:latin typeface="Arial"/>
-                <a:cs typeface="Arial"/>
-              </a:rPr>
-              <a:t> </a:t>
-            </a:r>
-            <a:r>
-              <a:rPr sz="2400" spc="-40" dirty="0">
-                <a:latin typeface="Arial"/>
-                <a:cs typeface="Arial"/>
-              </a:rPr>
-              <a:t>a</a:t>
-            </a:r>
-            <a:r>
-              <a:rPr sz="2400" dirty="0">
-                <a:latin typeface="Arial"/>
-                <a:cs typeface="Arial"/>
-              </a:rPr>
-              <a:t>l</a:t>
-            </a:r>
-            <a:r>
-              <a:rPr sz="2400" spc="-50" dirty="0">
-                <a:latin typeface="Arial"/>
-                <a:cs typeface="Arial"/>
-              </a:rPr>
-              <a:t> </a:t>
-            </a:r>
-            <a:r>
-              <a:rPr sz="2400" spc="-45" dirty="0">
-                <a:latin typeface="Arial"/>
-                <a:cs typeface="Arial"/>
-              </a:rPr>
-              <a:t>eu</a:t>
-            </a:r>
-            <a:r>
-              <a:rPr sz="2400" spc="-35" dirty="0">
-                <a:latin typeface="Arial"/>
-                <a:cs typeface="Arial"/>
-              </a:rPr>
-              <a:t>r</a:t>
-            </a:r>
-            <a:r>
-              <a:rPr sz="2400" spc="-40" dirty="0">
-                <a:latin typeface="Arial"/>
-                <a:cs typeface="Arial"/>
-              </a:rPr>
-              <a:t>o</a:t>
-            </a:r>
-            <a:r>
-              <a:rPr sz="2400" dirty="0">
-                <a:latin typeface="Arial"/>
-                <a:cs typeface="Arial"/>
-              </a:rPr>
-              <a:t>.</a:t>
-            </a:r>
-          </a:p>
-        </p:txBody>
-      </p:sp>
-      <p:sp>
-        <p:nvSpPr>
-          <p:cNvPr id="7" name="CuadroTexto 6">
-            <a:extLst>
-              <a:ext uri="{FF2B5EF4-FFF2-40B4-BE49-F238E27FC236}">
-                <a16:creationId xmlns:a16="http://schemas.microsoft.com/office/drawing/2014/main" id="{5BA0B139-C7E4-4F1F-A25F-814A0026FAA6}"/>
-              </a:ext>
-            </a:extLst>
-          </p:cNvPr>
-          <p:cNvSpPr txBox="1"/>
-          <p:nvPr/>
-        </p:nvSpPr>
-        <p:spPr>
-          <a:xfrm>
-            <a:off x="1968626" y="4520640"/>
-            <a:ext cx="10223374" cy="923330"/>
-          </a:xfrm>
-          <a:prstGeom prst="rect">
-            <a:avLst/>
-          </a:prstGeom>
-          <a:noFill/>
-        </p:spPr>
-        <p:txBody>
-          <a:bodyPr wrap="square">
-            <a:spAutoFit/>
-          </a:bodyPr>
-          <a:lstStyle/>
-          <a:p>
-            <a:r>
-              <a:rPr lang="es-MX" dirty="0"/>
-              <a:t>meses = ["Enero", "Febrero", "Marzo", "Abril", "Mayo", "Junio", "Julio", "Agosto", </a:t>
-            </a:r>
-            <a:r>
-              <a:rPr lang="es-MX"/>
-              <a:t>"Septiembre"]</a:t>
-            </a:r>
-            <a:endParaRPr lang="es-MX" dirty="0"/>
-          </a:p>
-          <a:p>
-            <a:r>
-              <a:rPr lang="es-MX" dirty="0" err="1"/>
-              <a:t>dolar</a:t>
-            </a:r>
-            <a:r>
-              <a:rPr lang="es-MX" dirty="0"/>
-              <a:t> = [19.36, 18.89, 18.01, 18.11, 17.91, 17.51, 17.05, 17.29, 17.18]</a:t>
-            </a:r>
-          </a:p>
-          <a:p>
-            <a:r>
-              <a:rPr lang="es-MX" dirty="0"/>
-              <a:t>euro =  [20.53, 20.65, 19.12, 19.68, 19.76, 18.85, 18.60, 18.90, 18.52]</a:t>
-            </a:r>
           </a:p>
         </p:txBody>
       </p:sp>
@@ -14217,420 +14014,6 @@
 </p:sld>
 </file>
 
-<file path=ppt/slides/slide20.xml><?xml version="1.0" encoding="utf-8"?>
-<p:sld xmlns:a="http://schemas.openxmlformats.org/drawingml/2006/main" xmlns:r="http://schemas.openxmlformats.org/officeDocument/2006/relationships" xmlns:p="http://schemas.openxmlformats.org/presentationml/2006/main">
-  <p:cSld>
-    <p:spTree>
-      <p:nvGrpSpPr>
-        <p:cNvPr id="1" name=""/>
-        <p:cNvGrpSpPr/>
-        <p:nvPr/>
-      </p:nvGrpSpPr>
-      <p:grpSpPr>
-        <a:xfrm>
-          <a:off x="0" y="0"/>
-          <a:ext cx="0" cy="0"/>
-          <a:chOff x="0" y="0"/>
-          <a:chExt cx="0" cy="0"/>
-        </a:xfrm>
-      </p:grpSpPr>
-      <p:sp>
-        <p:nvSpPr>
-          <p:cNvPr id="2" name="object 2"/>
-          <p:cNvSpPr/>
-          <p:nvPr/>
-        </p:nvSpPr>
-        <p:spPr>
-          <a:xfrm>
-            <a:off x="984503" y="0"/>
-            <a:ext cx="1061085" cy="2778760"/>
-          </a:xfrm>
-          <a:custGeom>
-            <a:avLst/>
-            <a:gdLst/>
-            <a:ahLst/>
-            <a:cxnLst/>
-            <a:rect l="l" t="t" r="r" b="b"/>
-            <a:pathLst>
-              <a:path w="1061085" h="2778760">
-                <a:moveTo>
-                  <a:pt x="1061068" y="0"/>
-                </a:moveTo>
-                <a:lnTo>
-                  <a:pt x="680578" y="0"/>
-                </a:lnTo>
-                <a:lnTo>
-                  <a:pt x="0" y="2687828"/>
-                </a:lnTo>
-                <a:lnTo>
-                  <a:pt x="356743" y="2778252"/>
-                </a:lnTo>
-                <a:lnTo>
-                  <a:pt x="1061068" y="0"/>
-                </a:lnTo>
-                <a:close/>
-              </a:path>
-            </a:pathLst>
-          </a:custGeom>
-          <a:solidFill>
-            <a:srgbClr val="2FACEB"/>
-          </a:solidFill>
-        </p:spPr>
-        <p:txBody>
-          <a:bodyPr wrap="square" lIns="0" tIns="0" rIns="0" bIns="0" rtlCol="0"/>
-          <a:lstStyle/>
-          <a:p>
-            <a:endParaRPr/>
-          </a:p>
-        </p:txBody>
-      </p:sp>
-      <p:sp>
-        <p:nvSpPr>
-          <p:cNvPr id="3" name="object 3"/>
-          <p:cNvSpPr/>
-          <p:nvPr/>
-        </p:nvSpPr>
-        <p:spPr>
-          <a:xfrm>
-            <a:off x="545591" y="0"/>
-            <a:ext cx="1033780" cy="2668905"/>
-          </a:xfrm>
-          <a:custGeom>
-            <a:avLst/>
-            <a:gdLst/>
-            <a:ahLst/>
-            <a:cxnLst/>
-            <a:rect l="l" t="t" r="r" b="b"/>
-            <a:pathLst>
-              <a:path w="1033780" h="2668905">
-                <a:moveTo>
-                  <a:pt x="1033636" y="0"/>
-                </a:moveTo>
-                <a:lnTo>
-                  <a:pt x="651142" y="0"/>
-                </a:lnTo>
-                <a:lnTo>
-                  <a:pt x="0" y="2578100"/>
-                </a:lnTo>
-                <a:lnTo>
-                  <a:pt x="347573" y="2663825"/>
-                </a:lnTo>
-                <a:lnTo>
-                  <a:pt x="357098" y="2668524"/>
-                </a:lnTo>
-                <a:lnTo>
-                  <a:pt x="1033636" y="0"/>
-                </a:lnTo>
-                <a:close/>
-              </a:path>
-            </a:pathLst>
-          </a:custGeom>
-          <a:solidFill>
-            <a:srgbClr val="585858"/>
-          </a:solidFill>
-        </p:spPr>
-        <p:txBody>
-          <a:bodyPr wrap="square" lIns="0" tIns="0" rIns="0" bIns="0" rtlCol="0"/>
-          <a:lstStyle/>
-          <a:p>
-            <a:endParaRPr/>
-          </a:p>
-        </p:txBody>
-      </p:sp>
-      <p:sp>
-        <p:nvSpPr>
-          <p:cNvPr id="4" name="object 4"/>
-          <p:cNvSpPr/>
-          <p:nvPr/>
-        </p:nvSpPr>
-        <p:spPr>
-          <a:xfrm>
-            <a:off x="545591" y="2583179"/>
-            <a:ext cx="2693035" cy="4274820"/>
-          </a:xfrm>
-          <a:custGeom>
-            <a:avLst/>
-            <a:gdLst/>
-            <a:ahLst/>
-            <a:cxnLst/>
-            <a:rect l="l" t="t" r="r" b="b"/>
-            <a:pathLst>
-              <a:path w="2693035" h="4274820">
-                <a:moveTo>
-                  <a:pt x="0" y="0"/>
-                </a:moveTo>
-                <a:lnTo>
-                  <a:pt x="2573909" y="4274820"/>
-                </a:lnTo>
-                <a:lnTo>
-                  <a:pt x="2692908" y="4274820"/>
-                </a:lnTo>
-                <a:lnTo>
-                  <a:pt x="0" y="0"/>
-                </a:lnTo>
-                <a:close/>
-              </a:path>
-            </a:pathLst>
-          </a:custGeom>
-          <a:solidFill>
-            <a:srgbClr val="252525"/>
-          </a:solidFill>
-        </p:spPr>
-        <p:txBody>
-          <a:bodyPr wrap="square" lIns="0" tIns="0" rIns="0" bIns="0" rtlCol="0"/>
-          <a:lstStyle/>
-          <a:p>
-            <a:endParaRPr/>
-          </a:p>
-        </p:txBody>
-      </p:sp>
-      <p:sp>
-        <p:nvSpPr>
-          <p:cNvPr id="5" name="object 5"/>
-          <p:cNvSpPr/>
-          <p:nvPr/>
-        </p:nvSpPr>
-        <p:spPr>
-          <a:xfrm>
-            <a:off x="989075" y="2692907"/>
-            <a:ext cx="3331845" cy="4165600"/>
-          </a:xfrm>
-          <a:custGeom>
-            <a:avLst/>
-            <a:gdLst/>
-            <a:ahLst/>
-            <a:cxnLst/>
-            <a:rect l="l" t="t" r="r" b="b"/>
-            <a:pathLst>
-              <a:path w="3331845" h="4165600">
-                <a:moveTo>
-                  <a:pt x="0" y="0"/>
-                </a:moveTo>
-                <a:lnTo>
-                  <a:pt x="3207639" y="4165091"/>
-                </a:lnTo>
-                <a:lnTo>
-                  <a:pt x="3331464" y="4165091"/>
-                </a:lnTo>
-                <a:lnTo>
-                  <a:pt x="0" y="0"/>
-                </a:lnTo>
-                <a:close/>
-              </a:path>
-            </a:pathLst>
-          </a:custGeom>
-          <a:solidFill>
-            <a:srgbClr val="0C5A82"/>
-          </a:solidFill>
-        </p:spPr>
-        <p:txBody>
-          <a:bodyPr wrap="square" lIns="0" tIns="0" rIns="0" bIns="0" rtlCol="0"/>
-          <a:lstStyle/>
-          <a:p>
-            <a:endParaRPr/>
-          </a:p>
-        </p:txBody>
-      </p:sp>
-      <p:sp>
-        <p:nvSpPr>
-          <p:cNvPr id="6" name="object 6"/>
-          <p:cNvSpPr/>
-          <p:nvPr/>
-        </p:nvSpPr>
-        <p:spPr>
-          <a:xfrm>
-            <a:off x="984503" y="2688335"/>
-            <a:ext cx="4575175" cy="4170045"/>
-          </a:xfrm>
-          <a:custGeom>
-            <a:avLst/>
-            <a:gdLst/>
-            <a:ahLst/>
-            <a:cxnLst/>
-            <a:rect l="l" t="t" r="r" b="b"/>
-            <a:pathLst>
-              <a:path w="4575175" h="4170045">
-                <a:moveTo>
-                  <a:pt x="0" y="0"/>
-                </a:moveTo>
-                <a:lnTo>
-                  <a:pt x="4762" y="4699"/>
-                </a:lnTo>
-                <a:lnTo>
-                  <a:pt x="3335655" y="4169664"/>
-                </a:lnTo>
-                <a:lnTo>
-                  <a:pt x="4575048" y="4169664"/>
-                </a:lnTo>
-                <a:lnTo>
-                  <a:pt x="356997" y="90424"/>
-                </a:lnTo>
-                <a:lnTo>
-                  <a:pt x="0" y="0"/>
-                </a:lnTo>
-                <a:close/>
-              </a:path>
-            </a:pathLst>
-          </a:custGeom>
-          <a:solidFill>
-            <a:srgbClr val="1286C3"/>
-          </a:solidFill>
-        </p:spPr>
-        <p:txBody>
-          <a:bodyPr wrap="square" lIns="0" tIns="0" rIns="0" bIns="0" rtlCol="0"/>
-          <a:lstStyle/>
-          <a:p>
-            <a:endParaRPr/>
-          </a:p>
-        </p:txBody>
-      </p:sp>
-      <p:sp>
-        <p:nvSpPr>
-          <p:cNvPr id="7" name="object 7"/>
-          <p:cNvSpPr/>
-          <p:nvPr/>
-        </p:nvSpPr>
-        <p:spPr>
-          <a:xfrm>
-            <a:off x="545591" y="2578607"/>
-            <a:ext cx="3584575" cy="4279900"/>
-          </a:xfrm>
-          <a:custGeom>
-            <a:avLst/>
-            <a:gdLst/>
-            <a:ahLst/>
-            <a:cxnLst/>
-            <a:rect l="l" t="t" r="r" b="b"/>
-            <a:pathLst>
-              <a:path w="3584575" h="4279900">
-                <a:moveTo>
-                  <a:pt x="0" y="0"/>
-                </a:moveTo>
-                <a:lnTo>
-                  <a:pt x="0" y="4699"/>
-                </a:lnTo>
-                <a:lnTo>
-                  <a:pt x="2693924" y="4279391"/>
-                </a:lnTo>
-                <a:lnTo>
-                  <a:pt x="3584448" y="4279391"/>
-                </a:lnTo>
-                <a:lnTo>
-                  <a:pt x="419087" y="176149"/>
-                </a:lnTo>
-                <a:lnTo>
-                  <a:pt x="361937" y="95250"/>
-                </a:lnTo>
-                <a:lnTo>
-                  <a:pt x="357174" y="90424"/>
-                </a:lnTo>
-                <a:lnTo>
-                  <a:pt x="0" y="0"/>
-                </a:lnTo>
-                <a:close/>
-              </a:path>
-            </a:pathLst>
-          </a:custGeom>
-          <a:solidFill>
-            <a:srgbClr val="404040"/>
-          </a:solidFill>
-        </p:spPr>
-        <p:txBody>
-          <a:bodyPr wrap="square" lIns="0" tIns="0" rIns="0" bIns="0" rtlCol="0"/>
-          <a:lstStyle/>
-          <a:p>
-            <a:endParaRPr/>
-          </a:p>
-        </p:txBody>
-      </p:sp>
-      <p:sp>
-        <p:nvSpPr>
-          <p:cNvPr id="8" name="object 8"/>
-          <p:cNvSpPr/>
-          <p:nvPr/>
-        </p:nvSpPr>
-        <p:spPr>
-          <a:xfrm>
-            <a:off x="2370582" y="2985897"/>
-            <a:ext cx="4462780" cy="0"/>
-          </a:xfrm>
-          <a:custGeom>
-            <a:avLst/>
-            <a:gdLst/>
-            <a:ahLst/>
-            <a:cxnLst/>
-            <a:rect l="l" t="t" r="r" b="b"/>
-            <a:pathLst>
-              <a:path w="4462780">
-                <a:moveTo>
-                  <a:pt x="0" y="0"/>
-                </a:moveTo>
-                <a:lnTo>
-                  <a:pt x="4462272" y="0"/>
-                </a:lnTo>
-              </a:path>
-            </a:pathLst>
-          </a:custGeom>
-          <a:ln w="25654">
-            <a:solidFill>
-              <a:srgbClr val="2F85EC"/>
-            </a:solidFill>
-          </a:ln>
-        </p:spPr>
-        <p:txBody>
-          <a:bodyPr wrap="square" lIns="0" tIns="0" rIns="0" bIns="0" rtlCol="0"/>
-          <a:lstStyle/>
-          <a:p>
-            <a:endParaRPr/>
-          </a:p>
-        </p:txBody>
-      </p:sp>
-      <p:sp>
-        <p:nvSpPr>
-          <p:cNvPr id="9" name="object 9"/>
-          <p:cNvSpPr txBox="1"/>
-          <p:nvPr/>
-        </p:nvSpPr>
-        <p:spPr>
-          <a:xfrm>
-            <a:off x="2358008" y="2157596"/>
-            <a:ext cx="4798060" cy="529056"/>
-          </a:xfrm>
-          <a:prstGeom prst="rect">
-            <a:avLst/>
-          </a:prstGeom>
-        </p:spPr>
-        <p:txBody>
-          <a:bodyPr vert="horz" wrap="square" lIns="0" tIns="0" rIns="0" bIns="0" rtlCol="0">
-            <a:spAutoFit/>
-          </a:bodyPr>
-          <a:lstStyle/>
-          <a:p>
-            <a:pPr marL="12700" marR="5080" indent="219075">
-              <a:lnSpc>
-                <a:spcPts val="3560"/>
-              </a:lnSpc>
-            </a:pPr>
-            <a:r>
-              <a:rPr lang="es-ES" sz="5400" b="1" spc="-80" dirty="0">
-                <a:cs typeface="Corbel"/>
-              </a:rPr>
-              <a:t>Gracias!!</a:t>
-            </a:r>
-            <a:endParaRPr sz="5400" b="1" dirty="0">
-              <a:cs typeface="Corbel"/>
-            </a:endParaRPr>
-          </a:p>
-        </p:txBody>
-      </p:sp>
-    </p:spTree>
-  </p:cSld>
-  <p:clrMapOvr>
-    <a:masterClrMapping/>
-  </p:clrMapOvr>
-</p:sld>
-</file>
-
 <file path=ppt/slides/slide3.xml><?xml version="1.0" encoding="utf-8"?>
 <p:sld xmlns:a="http://schemas.openxmlformats.org/drawingml/2006/main" xmlns:r="http://schemas.openxmlformats.org/officeDocument/2006/relationships" xmlns:p="http://schemas.openxmlformats.org/presentationml/2006/main">
   <p:cSld>
@@ -18268,10 +17651,10 @@
       </p:sp>
       <p:pic>
         <p:nvPicPr>
-          <p:cNvPr id="16" name="Picture 15">
+          <p:cNvPr id="4" name="Picture 3">
             <a:extLst>
               <a:ext uri="{FF2B5EF4-FFF2-40B4-BE49-F238E27FC236}">
-                <a16:creationId xmlns:a16="http://schemas.microsoft.com/office/drawing/2014/main" id="{D677C006-DF8D-E467-199D-780896FCA914}"/>
+                <a16:creationId xmlns:a16="http://schemas.microsoft.com/office/drawing/2014/main" id="{0D4CCFD5-D8F6-26BA-6A50-C678DDB46F4B}"/>
               </a:ext>
             </a:extLst>
           </p:cNvPr>
@@ -18288,8 +17671,8 @@
         </p:blipFill>
         <p:spPr>
           <a:xfrm>
-            <a:off x="1752600" y="914400"/>
-            <a:ext cx="9335803" cy="4448796"/>
+            <a:off x="1628778" y="838200"/>
+            <a:ext cx="9288171" cy="4439270"/>
           </a:xfrm>
           <a:prstGeom prst="rect">
             <a:avLst/>
@@ -18627,46 +18010,18 @@
               <a:t> </a:t>
             </a:r>
             <a:r>
-              <a:rPr sz="3200" b="1" spc="160" dirty="0">
-                <a:latin typeface="Arial"/>
-                <a:cs typeface="Arial"/>
-              </a:rPr>
-              <a:t>s</a:t>
-            </a:r>
-            <a:r>
-              <a:rPr sz="3200" b="1" spc="150" dirty="0">
-                <a:latin typeface="Arial"/>
-                <a:cs typeface="Arial"/>
-              </a:rPr>
-              <a:t>i</a:t>
-            </a:r>
-            <a:r>
-              <a:rPr sz="3200" b="1" spc="145" dirty="0">
-                <a:latin typeface="Arial"/>
-                <a:cs typeface="Arial"/>
-              </a:rPr>
-              <a:t>mp</a:t>
-            </a:r>
-            <a:r>
-              <a:rPr sz="3200" b="1" spc="150" dirty="0">
-                <a:latin typeface="Arial"/>
-                <a:cs typeface="Arial"/>
-              </a:rPr>
-              <a:t>l</a:t>
-            </a:r>
-            <a:r>
-              <a:rPr sz="3200" b="1" dirty="0">
-                <a:latin typeface="Arial"/>
-                <a:cs typeface="Arial"/>
-              </a:rPr>
-              <a:t>e</a:t>
+              <a:rPr lang="es-MX" sz="3200" b="1" spc="160" dirty="0">
+                <a:latin typeface="Arial"/>
+                <a:cs typeface="Arial"/>
+              </a:rPr>
+              <a:t>de </a:t>
             </a:r>
             <a:r>
               <a:rPr lang="es-ES" sz="3200" b="1" dirty="0">
                 <a:latin typeface="Arial"/>
                 <a:cs typeface="Arial"/>
               </a:rPr>
-              <a:t> de línea</a:t>
+              <a:t>línea simple</a:t>
             </a:r>
             <a:endParaRPr sz="3200" b="1" dirty="0">
               <a:latin typeface="Arial"/>

--- a/CalendarioAgo2024/presentaciones/9_GraficasMatplotlib.pptx
+++ b/CalendarioAgo2024/presentaciones/9_GraficasMatplotlib.pptx
@@ -1706,7 +1706,7 @@
           <a:p>
             <a:fld id="{1D8BD707-D9CF-40AE-B4C6-C98DA3205C09}" type="datetimeFigureOut">
               <a:rPr lang="en-US"/>
-              <a:t>10/1/2024</a:t>
+              <a:t>10/3/2024</a:t>
             </a:fld>
             <a:endParaRPr lang="en-US"/>
           </a:p>
@@ -2258,7 +2258,7 @@
           <a:p>
             <a:fld id="{1D8BD707-D9CF-40AE-B4C6-C98DA3205C09}" type="datetimeFigureOut">
               <a:rPr lang="en-US"/>
-              <a:t>10/1/2024</a:t>
+              <a:t>10/3/2024</a:t>
             </a:fld>
             <a:endParaRPr lang="en-US"/>
           </a:p>
@@ -2876,7 +2876,7 @@
           <a:p>
             <a:fld id="{1D8BD707-D9CF-40AE-B4C6-C98DA3205C09}" type="datetimeFigureOut">
               <a:rPr lang="en-US"/>
-              <a:t>10/1/2024</a:t>
+              <a:t>10/3/2024</a:t>
             </a:fld>
             <a:endParaRPr lang="en-US"/>
           </a:p>
@@ -3428,7 +3428,7 @@
           <a:p>
             <a:fld id="{1D8BD707-D9CF-40AE-B4C6-C98DA3205C09}" type="datetimeFigureOut">
               <a:rPr lang="en-US"/>
-              <a:t>10/1/2024</a:t>
+              <a:t>10/3/2024</a:t>
             </a:fld>
             <a:endParaRPr lang="en-US"/>
           </a:p>
@@ -3547,7 +3547,7 @@
           <a:p>
             <a:fld id="{1D8BD707-D9CF-40AE-B4C6-C98DA3205C09}" type="datetimeFigureOut">
               <a:rPr lang="en-US"/>
-              <a:t>10/1/2024</a:t>
+              <a:t>10/3/2024</a:t>
             </a:fld>
             <a:endParaRPr lang="en-US"/>
           </a:p>
@@ -3801,7 +3801,7 @@
           <a:p>
             <a:fld id="{1D8BD707-D9CF-40AE-B4C6-C98DA3205C09}" type="datetimeFigureOut">
               <a:rPr lang="en-US"/>
-              <a:t>10/1/2024</a:t>
+              <a:t>10/3/2024</a:t>
             </a:fld>
             <a:endParaRPr lang="en-US"/>
           </a:p>
@@ -6036,7 +6036,7 @@
         </p:nvSpPr>
         <p:spPr>
           <a:xfrm>
-            <a:off x="304800" y="243710"/>
+            <a:off x="379476" y="266698"/>
             <a:ext cx="11736324" cy="6438902"/>
           </a:xfrm>
           <a:custGeom>
